--- a/Slides.pptx
+++ b/Slides.pptx
@@ -10,7 +10,8 @@
     <p:sldId id="272" r:id="rId4"/>
     <p:sldId id="259" r:id="rId5"/>
     <p:sldId id="273" r:id="rId6"/>
-    <p:sldId id="271" r:id="rId7"/>
+    <p:sldId id="274" r:id="rId7"/>
+    <p:sldId id="271" r:id="rId8"/>
   </p:sldIdLst>
   <p:sldSz cx="12192000" cy="6858000"/>
   <p:notesSz cx="6858000" cy="9144000"/>
@@ -109,6 +110,11 @@
       </a:defRPr>
     </a:lvl9pPr>
   </p:defaultTextStyle>
+  <p:extLst>
+    <p:ext uri="{EFAFB233-063F-42B5-8137-9DF3F51BA10A}">
+      <p15:sldGuideLst xmlns:p15="http://schemas.microsoft.com/office/powerpoint/2012/main"/>
+    </p:ext>
+  </p:extLst>
 </p:presentation>
 </file>
 
@@ -157,7 +163,6 @@
               <a:rPr lang="en-US"/>
               <a:t>Click to edit Master title style</a:t>
             </a:r>
-            <a:endParaRPr lang="en-US"/>
           </a:p>
         </p:txBody>
       </p:sp>
@@ -222,7 +227,6 @@
               <a:rPr lang="en-US"/>
               <a:t>Click to edit Master subtitle style</a:t>
             </a:r>
-            <a:endParaRPr lang="en-US"/>
           </a:p>
         </p:txBody>
       </p:sp>
@@ -340,7 +344,6 @@
               <a:rPr lang="en-US"/>
               <a:t>Click to edit Master title style</a:t>
             </a:r>
-            <a:endParaRPr lang="en-US"/>
           </a:p>
         </p:txBody>
       </p:sp>
@@ -392,7 +395,6 @@
               <a:rPr lang="en-US"/>
               <a:t>Fifth level</a:t>
             </a:r>
-            <a:endParaRPr lang="en-US"/>
           </a:p>
         </p:txBody>
       </p:sp>
@@ -515,7 +517,6 @@
               <a:rPr lang="en-US"/>
               <a:t>Click to edit Master title style</a:t>
             </a:r>
-            <a:endParaRPr lang="en-US"/>
           </a:p>
         </p:txBody>
       </p:sp>
@@ -572,7 +573,6 @@
               <a:rPr lang="en-US"/>
               <a:t>Fifth level</a:t>
             </a:r>
-            <a:endParaRPr lang="en-US"/>
           </a:p>
         </p:txBody>
       </p:sp>
@@ -690,7 +690,6 @@
               <a:rPr lang="en-US"/>
               <a:t>Click to edit Master title style</a:t>
             </a:r>
-            <a:endParaRPr lang="en-US"/>
           </a:p>
         </p:txBody>
       </p:sp>
@@ -742,7 +741,6 @@
               <a:rPr lang="en-US"/>
               <a:t>Fifth level</a:t>
             </a:r>
-            <a:endParaRPr lang="en-US"/>
           </a:p>
         </p:txBody>
       </p:sp>
@@ -869,7 +867,6 @@
               <a:rPr lang="en-US"/>
               <a:t>Click to edit Master title style</a:t>
             </a:r>
-            <a:endParaRPr lang="en-US"/>
           </a:p>
         </p:txBody>
       </p:sp>
@@ -1106,7 +1103,6 @@
               <a:rPr lang="en-US"/>
               <a:t>Click to edit Master title style</a:t>
             </a:r>
-            <a:endParaRPr lang="en-US"/>
           </a:p>
         </p:txBody>
       </p:sp>
@@ -1163,7 +1159,6 @@
               <a:rPr lang="en-US"/>
               <a:t>Fifth level</a:t>
             </a:r>
-            <a:endParaRPr lang="en-US"/>
           </a:p>
         </p:txBody>
       </p:sp>
@@ -1220,7 +1215,6 @@
               <a:rPr lang="en-US"/>
               <a:t>Fifth level</a:t>
             </a:r>
-            <a:endParaRPr lang="en-US"/>
           </a:p>
         </p:txBody>
       </p:sp>
@@ -1343,7 +1337,6 @@
               <a:rPr lang="en-US"/>
               <a:t>Click to edit Master title style</a:t>
             </a:r>
-            <a:endParaRPr lang="en-US"/>
           </a:p>
         </p:txBody>
       </p:sp>
@@ -1465,7 +1458,6 @@
               <a:rPr lang="en-US"/>
               <a:t>Fifth level</a:t>
             </a:r>
-            <a:endParaRPr lang="en-US"/>
           </a:p>
         </p:txBody>
       </p:sp>
@@ -1587,7 +1579,6 @@
               <a:rPr lang="en-US"/>
               <a:t>Fifth level</a:t>
             </a:r>
-            <a:endParaRPr lang="en-US"/>
           </a:p>
         </p:txBody>
       </p:sp>
@@ -1705,7 +1696,6 @@
               <a:rPr lang="en-US"/>
               <a:t>Click to edit Master title style</a:t>
             </a:r>
-            <a:endParaRPr lang="en-US"/>
           </a:p>
         </p:txBody>
       </p:sp>
@@ -1927,7 +1917,6 @@
               <a:rPr lang="en-US"/>
               <a:t>Click to edit Master title style</a:t>
             </a:r>
-            <a:endParaRPr lang="en-US"/>
           </a:p>
         </p:txBody>
       </p:sp>
@@ -2012,7 +2001,6 @@
               <a:rPr lang="en-US"/>
               <a:t>Fifth level</a:t>
             </a:r>
-            <a:endParaRPr lang="en-US"/>
           </a:p>
         </p:txBody>
       </p:sp>
@@ -2204,7 +2192,6 @@
               <a:rPr lang="en-US"/>
               <a:t>Click to edit Master title style</a:t>
             </a:r>
-            <a:endParaRPr lang="en-US"/>
           </a:p>
         </p:txBody>
       </p:sp>
@@ -2463,7 +2450,6 @@
               <a:rPr lang="en-US"/>
               <a:t>Click to edit Master title style</a:t>
             </a:r>
-            <a:endParaRPr lang="en-US"/>
           </a:p>
         </p:txBody>
       </p:sp>
@@ -2525,7 +2511,6 @@
               <a:rPr lang="en-US"/>
               <a:t>Fifth level</a:t>
             </a:r>
-            <a:endParaRPr lang="en-US"/>
           </a:p>
         </p:txBody>
       </p:sp>
@@ -3723,12 +3708,6 @@
               </a:rPr>
               <a:t>The only real solution to minify HTML while reducing CPU and bandwidth usage, is to rewrite the pages manually to remove all the useless blank characters.</a:t>
             </a:r>
-            <a:endParaRPr lang="en-US" dirty="0">
-              <a:solidFill>
-                <a:srgbClr val="505050"/>
-              </a:solidFill>
-              <a:latin typeface="Segoe UI" panose="020B0502040204020203" pitchFamily="34" charset="0"/>
-            </a:endParaRPr>
           </a:p>
         </p:txBody>
       </p:sp>
@@ -3992,13 +3971,6 @@
               </a:rPr>
               <a:t>WhiteSpaceRemoval Project</a:t>
             </a:r>
-            <a:endParaRPr lang="en-US" dirty="0">
-              <a:solidFill>
-                <a:schemeClr val="bg1">
-                  <a:lumMod val="65000"/>
-                </a:schemeClr>
-              </a:solidFill>
-            </a:endParaRPr>
           </a:p>
         </p:txBody>
       </p:sp>
@@ -4070,19 +4042,6 @@
               </a:rPr>
               <a:t>Visual Studio Spell Checker</a:t>
             </a:r>
-            <a:endParaRPr lang="en-US" sz="4800" b="0" cap="none" spc="0" dirty="0">
-              <a:ln w="0"/>
-              <a:solidFill>
-                <a:srgbClr val="00BCF2"/>
-              </a:solidFill>
-              <a:effectLst>
-                <a:outerShdw blurRad="38100" dist="19050" dir="2700000" algn="tl" rotWithShape="0">
-                  <a:schemeClr val="dk1">
-                    <a:alpha val="40000"/>
-                  </a:schemeClr>
-                </a:outerShdw>
-              </a:effectLst>
-            </a:endParaRPr>
           </a:p>
         </p:txBody>
       </p:sp>
@@ -4220,6 +4179,171 @@
 </file>
 
 <file path=ppt/slides/slide6.xml><?xml version="1.0" encoding="utf-8"?>
+<p:sld xmlns:a="http://schemas.openxmlformats.org/drawingml/2006/main" xmlns:r="http://schemas.openxmlformats.org/officeDocument/2006/relationships" xmlns:p="http://schemas.openxmlformats.org/presentationml/2006/main">
+  <p:cSld>
+    <p:spTree>
+      <p:nvGrpSpPr>
+        <p:cNvPr id="1" name=""/>
+        <p:cNvGrpSpPr/>
+        <p:nvPr/>
+      </p:nvGrpSpPr>
+      <p:grpSpPr>
+        <a:xfrm>
+          <a:off x="0" y="0"/>
+          <a:ext cx="0" cy="0"/>
+          <a:chOff x="0" y="0"/>
+          <a:chExt cx="0" cy="0"/>
+        </a:xfrm>
+      </p:grpSpPr>
+      <p:sp>
+        <p:nvSpPr>
+          <p:cNvPr id="7" name="Rectangle 6"/>
+          <p:cNvSpPr/>
+          <p:nvPr/>
+        </p:nvSpPr>
+        <p:spPr>
+          <a:xfrm>
+            <a:off x="832104" y="396147"/>
+            <a:ext cx="10323575" cy="830997"/>
+          </a:xfrm>
+          <a:prstGeom prst="rect">
+            <a:avLst/>
+          </a:prstGeom>
+          <a:noFill/>
+        </p:spPr>
+        <p:txBody>
+          <a:bodyPr wrap="square" lIns="91440" tIns="45720" rIns="91440" bIns="45720">
+            <a:spAutoFit/>
+          </a:bodyPr>
+          <a:lstStyle/>
+          <a:p>
+            <a:r>
+              <a:rPr lang="en-US" sz="4800" b="0" cap="none" spc="0" dirty="0">
+                <a:ln w="0"/>
+                <a:solidFill>
+                  <a:srgbClr val="00BCF2"/>
+                </a:solidFill>
+                <a:effectLst>
+                  <a:outerShdw blurRad="38100" dist="19050" dir="2700000" algn="tl" rotWithShape="0">
+                    <a:schemeClr val="dk1">
+                      <a:alpha val="40000"/>
+                    </a:schemeClr>
+                  </a:outerShdw>
+                </a:effectLst>
+              </a:rPr>
+              <a:t>Visual Studio Code Analysis</a:t>
+            </a:r>
+          </a:p>
+        </p:txBody>
+      </p:sp>
+      <p:sp>
+        <p:nvSpPr>
+          <p:cNvPr id="9" name="Rectangle 8"/>
+          <p:cNvSpPr/>
+          <p:nvPr/>
+        </p:nvSpPr>
+        <p:spPr>
+          <a:xfrm>
+            <a:off x="0" y="0"/>
+            <a:ext cx="182880" cy="6858000"/>
+          </a:xfrm>
+          <a:prstGeom prst="rect">
+            <a:avLst/>
+          </a:prstGeom>
+          <a:solidFill>
+            <a:srgbClr val="00BCF2"/>
+          </a:solidFill>
+          <a:ln>
+            <a:noFill/>
+          </a:ln>
+        </p:spPr>
+        <p:style>
+          <a:lnRef idx="2">
+            <a:schemeClr val="accent1">
+              <a:shade val="50000"/>
+            </a:schemeClr>
+          </a:lnRef>
+          <a:fillRef idx="1">
+            <a:schemeClr val="accent1"/>
+          </a:fillRef>
+          <a:effectRef idx="0">
+            <a:schemeClr val="accent1"/>
+          </a:effectRef>
+          <a:fontRef idx="minor">
+            <a:schemeClr val="lt1"/>
+          </a:fontRef>
+        </p:style>
+        <p:txBody>
+          <a:bodyPr rtlCol="0" anchor="ctr"/>
+          <a:lstStyle/>
+          <a:p>
+            <a:pPr algn="ctr"/>
+            <a:endParaRPr lang="en-US"/>
+          </a:p>
+        </p:txBody>
+      </p:sp>
+      <p:sp>
+        <p:nvSpPr>
+          <p:cNvPr id="8" name="Rectangle 7"/>
+          <p:cNvSpPr/>
+          <p:nvPr/>
+        </p:nvSpPr>
+        <p:spPr>
+          <a:xfrm>
+            <a:off x="832104" y="1797502"/>
+            <a:ext cx="10048059" cy="369332"/>
+          </a:xfrm>
+          <a:prstGeom prst="rect">
+            <a:avLst/>
+          </a:prstGeom>
+        </p:spPr>
+        <p:txBody>
+          <a:bodyPr wrap="square">
+            <a:spAutoFit/>
+          </a:bodyPr>
+          <a:lstStyle/>
+          <a:p>
+            <a:pPr>
+              <a:spcBef>
+                <a:spcPts val="1200"/>
+              </a:spcBef>
+            </a:pPr>
+            <a:r>
+              <a:rPr lang="en-US" dirty="0">
+                <a:solidFill>
+                  <a:srgbClr val="505050"/>
+                </a:solidFill>
+                <a:latin typeface="Segoe UI" panose="020B0502040204020203" pitchFamily="34" charset="0"/>
+              </a:rPr>
+              <a:t>Need to </a:t>
+            </a:r>
+            <a:r>
+              <a:rPr lang="en-US">
+                <a:solidFill>
+                  <a:srgbClr val="505050"/>
+                </a:solidFill>
+                <a:latin typeface="Segoe UI" panose="020B0502040204020203" pitchFamily="34" charset="0"/>
+              </a:rPr>
+              <a:t>write this </a:t>
+            </a:r>
+            <a:endParaRPr lang="en-US" dirty="0"/>
+          </a:p>
+        </p:txBody>
+      </p:sp>
+    </p:spTree>
+    <p:extLst>
+      <p:ext uri="{BB962C8B-B14F-4D97-AF65-F5344CB8AC3E}">
+        <p14:creationId xmlns:p14="http://schemas.microsoft.com/office/powerpoint/2010/main" val="1112162478"/>
+      </p:ext>
+    </p:extLst>
+  </p:cSld>
+  <p:clrMapOvr>
+    <a:masterClrMapping/>
+  </p:clrMapOvr>
+</p:sld>
+</file>
+
+<file path=ppt/slides/slide7.xml><?xml version="1.0" encoding="utf-8"?>
 <p:sld xmlns:a="http://schemas.openxmlformats.org/drawingml/2006/main" xmlns:r="http://schemas.openxmlformats.org/officeDocument/2006/relationships" xmlns:p="http://schemas.openxmlformats.org/presentationml/2006/main">
   <p:cSld>
     <p:spTree>

--- a/Slides.pptx
+++ b/Slides.pptx
@@ -7,11 +7,15 @@
   <p:sldIdLst>
     <p:sldId id="257" r:id="rId2"/>
     <p:sldId id="258" r:id="rId3"/>
-    <p:sldId id="272" r:id="rId4"/>
-    <p:sldId id="259" r:id="rId5"/>
-    <p:sldId id="273" r:id="rId6"/>
-    <p:sldId id="274" r:id="rId7"/>
-    <p:sldId id="271" r:id="rId8"/>
+    <p:sldId id="279" r:id="rId4"/>
+    <p:sldId id="276" r:id="rId5"/>
+    <p:sldId id="278" r:id="rId6"/>
+    <p:sldId id="272" r:id="rId7"/>
+    <p:sldId id="277" r:id="rId8"/>
+    <p:sldId id="259" r:id="rId9"/>
+    <p:sldId id="274" r:id="rId10"/>
+    <p:sldId id="275" r:id="rId11"/>
+    <p:sldId id="271" r:id="rId12"/>
   </p:sldIdLst>
   <p:sldSz cx="12192000" cy="6858000"/>
   <p:notesSz cx="6858000" cy="9144000"/>
@@ -247,7 +251,7 @@
           <a:p>
             <a:fld id="{C0F3BAF6-6DB2-4A07-AEEA-A0824374C276}" type="datetimeFigureOut">
               <a:rPr lang="en-US" smtClean="0"/>
-              <a:t>11/29/2016</a:t>
+              <a:t>12/26/2016</a:t>
             </a:fld>
             <a:endParaRPr lang="en-US"/>
           </a:p>
@@ -415,7 +419,7 @@
           <a:p>
             <a:fld id="{C0F3BAF6-6DB2-4A07-AEEA-A0824374C276}" type="datetimeFigureOut">
               <a:rPr lang="en-US" smtClean="0"/>
-              <a:t>11/29/2016</a:t>
+              <a:t>12/26/2016</a:t>
             </a:fld>
             <a:endParaRPr lang="en-US"/>
           </a:p>
@@ -593,7 +597,7 @@
           <a:p>
             <a:fld id="{C0F3BAF6-6DB2-4A07-AEEA-A0824374C276}" type="datetimeFigureOut">
               <a:rPr lang="en-US" smtClean="0"/>
-              <a:t>11/29/2016</a:t>
+              <a:t>12/26/2016</a:t>
             </a:fld>
             <a:endParaRPr lang="en-US"/>
           </a:p>
@@ -761,7 +765,7 @@
           <a:p>
             <a:fld id="{C0F3BAF6-6DB2-4A07-AEEA-A0824374C276}" type="datetimeFigureOut">
               <a:rPr lang="en-US" smtClean="0"/>
-              <a:t>11/29/2016</a:t>
+              <a:t>12/26/2016</a:t>
             </a:fld>
             <a:endParaRPr lang="en-US"/>
           </a:p>
@@ -1006,7 +1010,7 @@
           <a:p>
             <a:fld id="{C0F3BAF6-6DB2-4A07-AEEA-A0824374C276}" type="datetimeFigureOut">
               <a:rPr lang="en-US" smtClean="0"/>
-              <a:t>11/29/2016</a:t>
+              <a:t>12/26/2016</a:t>
             </a:fld>
             <a:endParaRPr lang="en-US"/>
           </a:p>
@@ -1235,7 +1239,7 @@
           <a:p>
             <a:fld id="{C0F3BAF6-6DB2-4A07-AEEA-A0824374C276}" type="datetimeFigureOut">
               <a:rPr lang="en-US" smtClean="0"/>
-              <a:t>11/29/2016</a:t>
+              <a:t>12/26/2016</a:t>
             </a:fld>
             <a:endParaRPr lang="en-US"/>
           </a:p>
@@ -1599,7 +1603,7 @@
           <a:p>
             <a:fld id="{C0F3BAF6-6DB2-4A07-AEEA-A0824374C276}" type="datetimeFigureOut">
               <a:rPr lang="en-US" smtClean="0"/>
-              <a:t>11/29/2016</a:t>
+              <a:t>12/26/2016</a:t>
             </a:fld>
             <a:endParaRPr lang="en-US"/>
           </a:p>
@@ -1716,7 +1720,7 @@
           <a:p>
             <a:fld id="{C0F3BAF6-6DB2-4A07-AEEA-A0824374C276}" type="datetimeFigureOut">
               <a:rPr lang="en-US" smtClean="0"/>
-              <a:t>11/29/2016</a:t>
+              <a:t>12/26/2016</a:t>
             </a:fld>
             <a:endParaRPr lang="en-US"/>
           </a:p>
@@ -1811,7 +1815,7 @@
           <a:p>
             <a:fld id="{C0F3BAF6-6DB2-4A07-AEEA-A0824374C276}" type="datetimeFigureOut">
               <a:rPr lang="en-US" smtClean="0"/>
-              <a:t>11/29/2016</a:t>
+              <a:t>12/26/2016</a:t>
             </a:fld>
             <a:endParaRPr lang="en-US"/>
           </a:p>
@@ -2086,7 +2090,7 @@
           <a:p>
             <a:fld id="{C0F3BAF6-6DB2-4A07-AEEA-A0824374C276}" type="datetimeFigureOut">
               <a:rPr lang="en-US" smtClean="0"/>
-              <a:t>11/29/2016</a:t>
+              <a:t>12/26/2016</a:t>
             </a:fld>
             <a:endParaRPr lang="en-US"/>
           </a:p>
@@ -2338,7 +2342,7 @@
           <a:p>
             <a:fld id="{C0F3BAF6-6DB2-4A07-AEEA-A0824374C276}" type="datetimeFigureOut">
               <a:rPr lang="en-US" smtClean="0"/>
-              <a:t>11/29/2016</a:t>
+              <a:t>12/26/2016</a:t>
             </a:fld>
             <a:endParaRPr lang="en-US"/>
           </a:p>
@@ -2549,7 +2553,7 @@
           <a:p>
             <a:fld id="{C0F3BAF6-6DB2-4A07-AEEA-A0824374C276}" type="datetimeFigureOut">
               <a:rPr lang="en-US" smtClean="0"/>
-              <a:t>11/29/2016</a:t>
+              <a:t>12/26/2016</a:t>
             </a:fld>
             <a:endParaRPr lang="en-US"/>
           </a:p>
@@ -2962,8 +2966,8 @@
         </p:nvSpPr>
         <p:spPr>
           <a:xfrm>
-            <a:off x="899395" y="1242931"/>
-            <a:ext cx="10580461" cy="1107996"/>
+            <a:off x="1076230" y="579952"/>
+            <a:ext cx="9964459" cy="2123658"/>
           </a:xfrm>
           <a:prstGeom prst="rect">
             <a:avLst/>
@@ -2991,7 +2995,26 @@
                   </a:outerShdw>
                 </a:effectLst>
               </a:rPr>
-              <a:t>Every developers should know</a:t>
+              <a:t>Performance, tips and tricks </a:t>
+            </a:r>
+          </a:p>
+          <a:p>
+            <a:pPr algn="ctr"/>
+            <a:r>
+              <a:rPr lang="en-US" sz="6600" dirty="0">
+                <a:ln w="0"/>
+                <a:solidFill>
+                  <a:srgbClr val="00BCF2"/>
+                </a:solidFill>
+                <a:effectLst>
+                  <a:outerShdw blurRad="38100" dist="19050" dir="2700000" algn="tl" rotWithShape="0">
+                    <a:schemeClr val="dk1">
+                      <a:alpha val="40000"/>
+                    </a:schemeClr>
+                  </a:outerShdw>
+                </a:effectLst>
+              </a:rPr>
+              <a:t>for every web developers</a:t>
             </a:r>
             <a:endParaRPr lang="en-US" sz="6600" b="0" cap="none" spc="0" dirty="0">
               <a:ln w="0"/>
@@ -3192,6 +3215,329 @@
     <p:extLst>
       <p:ext uri="{BB962C8B-B14F-4D97-AF65-F5344CB8AC3E}">
         <p14:creationId xmlns:p14="http://schemas.microsoft.com/office/powerpoint/2010/main" val="3011113588"/>
+      </p:ext>
+    </p:extLst>
+  </p:cSld>
+  <p:clrMapOvr>
+    <a:masterClrMapping/>
+  </p:clrMapOvr>
+</p:sld>
+</file>
+
+<file path=ppt/slides/slide10.xml><?xml version="1.0" encoding="utf-8"?>
+<p:sld xmlns:a="http://schemas.openxmlformats.org/drawingml/2006/main" xmlns:r="http://schemas.openxmlformats.org/officeDocument/2006/relationships" xmlns:p="http://schemas.openxmlformats.org/presentationml/2006/main">
+  <p:cSld>
+    <p:spTree>
+      <p:nvGrpSpPr>
+        <p:cNvPr id="1" name=""/>
+        <p:cNvGrpSpPr/>
+        <p:nvPr/>
+      </p:nvGrpSpPr>
+      <p:grpSpPr>
+        <a:xfrm>
+          <a:off x="0" y="0"/>
+          <a:ext cx="0" cy="0"/>
+          <a:chOff x="0" y="0"/>
+          <a:chExt cx="0" cy="0"/>
+        </a:xfrm>
+      </p:grpSpPr>
+      <p:sp>
+        <p:nvSpPr>
+          <p:cNvPr id="7" name="Rectangle 6"/>
+          <p:cNvSpPr/>
+          <p:nvPr/>
+        </p:nvSpPr>
+        <p:spPr>
+          <a:xfrm>
+            <a:off x="832104" y="396147"/>
+            <a:ext cx="10323575" cy="830997"/>
+          </a:xfrm>
+          <a:prstGeom prst="rect">
+            <a:avLst/>
+          </a:prstGeom>
+          <a:noFill/>
+        </p:spPr>
+        <p:txBody>
+          <a:bodyPr wrap="square" lIns="91440" tIns="45720" rIns="91440" bIns="45720">
+            <a:spAutoFit/>
+          </a:bodyPr>
+          <a:lstStyle/>
+          <a:p>
+            <a:r>
+              <a:rPr lang="en-US" sz="4800" b="0" cap="none" spc="0" dirty="0">
+                <a:ln w="0"/>
+                <a:solidFill>
+                  <a:srgbClr val="00BCF2"/>
+                </a:solidFill>
+                <a:effectLst>
+                  <a:outerShdw blurRad="38100" dist="19050" dir="2700000" algn="tl" rotWithShape="0">
+                    <a:schemeClr val="dk1">
+                      <a:alpha val="40000"/>
+                    </a:schemeClr>
+                  </a:outerShdw>
+                </a:effectLst>
+              </a:rPr>
+              <a:t>Slug based URL in MVC - SEO</a:t>
+            </a:r>
+          </a:p>
+        </p:txBody>
+      </p:sp>
+      <p:sp>
+        <p:nvSpPr>
+          <p:cNvPr id="9" name="Rectangle 8"/>
+          <p:cNvSpPr/>
+          <p:nvPr/>
+        </p:nvSpPr>
+        <p:spPr>
+          <a:xfrm>
+            <a:off x="0" y="0"/>
+            <a:ext cx="182880" cy="6858000"/>
+          </a:xfrm>
+          <a:prstGeom prst="rect">
+            <a:avLst/>
+          </a:prstGeom>
+          <a:solidFill>
+            <a:srgbClr val="00BCF2"/>
+          </a:solidFill>
+          <a:ln>
+            <a:noFill/>
+          </a:ln>
+        </p:spPr>
+        <p:style>
+          <a:lnRef idx="2">
+            <a:schemeClr val="accent1">
+              <a:shade val="50000"/>
+            </a:schemeClr>
+          </a:lnRef>
+          <a:fillRef idx="1">
+            <a:schemeClr val="accent1"/>
+          </a:fillRef>
+          <a:effectRef idx="0">
+            <a:schemeClr val="accent1"/>
+          </a:effectRef>
+          <a:fontRef idx="minor">
+            <a:schemeClr val="lt1"/>
+          </a:fontRef>
+        </p:style>
+        <p:txBody>
+          <a:bodyPr rtlCol="0" anchor="ctr"/>
+          <a:lstStyle/>
+          <a:p>
+            <a:pPr algn="ctr"/>
+            <a:endParaRPr lang="en-US"/>
+          </a:p>
+        </p:txBody>
+      </p:sp>
+      <p:sp>
+        <p:nvSpPr>
+          <p:cNvPr id="8" name="Rectangle 7"/>
+          <p:cNvSpPr/>
+          <p:nvPr/>
+        </p:nvSpPr>
+        <p:spPr>
+          <a:xfrm>
+            <a:off x="832104" y="1797502"/>
+            <a:ext cx="10048059" cy="369332"/>
+          </a:xfrm>
+          <a:prstGeom prst="rect">
+            <a:avLst/>
+          </a:prstGeom>
+        </p:spPr>
+        <p:txBody>
+          <a:bodyPr wrap="square">
+            <a:spAutoFit/>
+          </a:bodyPr>
+          <a:lstStyle/>
+          <a:p>
+            <a:pPr>
+              <a:spcBef>
+                <a:spcPts val="1200"/>
+              </a:spcBef>
+            </a:pPr>
+            <a:r>
+              <a:rPr lang="en-US" dirty="0">
+                <a:solidFill>
+                  <a:srgbClr val="505050"/>
+                </a:solidFill>
+                <a:latin typeface="Segoe UI" panose="020B0502040204020203" pitchFamily="34" charset="0"/>
+              </a:rPr>
+              <a:t>Need to </a:t>
+            </a:r>
+            <a:r>
+              <a:rPr lang="en-US">
+                <a:solidFill>
+                  <a:srgbClr val="505050"/>
+                </a:solidFill>
+                <a:latin typeface="Segoe UI" panose="020B0502040204020203" pitchFamily="34" charset="0"/>
+              </a:rPr>
+              <a:t>write this </a:t>
+            </a:r>
+            <a:endParaRPr lang="en-US" dirty="0"/>
+          </a:p>
+        </p:txBody>
+      </p:sp>
+      <p:sp>
+        <p:nvSpPr>
+          <p:cNvPr id="2" name="Rectangle 1"/>
+          <p:cNvSpPr/>
+          <p:nvPr/>
+        </p:nvSpPr>
+        <p:spPr>
+          <a:xfrm>
+            <a:off x="832104" y="2656090"/>
+            <a:ext cx="4841454" cy="369332"/>
+          </a:xfrm>
+          <a:prstGeom prst="rect">
+            <a:avLst/>
+          </a:prstGeom>
+        </p:spPr>
+        <p:txBody>
+          <a:bodyPr wrap="none">
+            <a:spAutoFit/>
+          </a:bodyPr>
+          <a:lstStyle/>
+          <a:p>
+            <a:r>
+              <a:rPr lang="en-US" dirty="0"/>
+              <a:t>https://github.com/itorian/SlugInMVCApplication</a:t>
+            </a:r>
+          </a:p>
+        </p:txBody>
+      </p:sp>
+    </p:spTree>
+    <p:extLst>
+      <p:ext uri="{BB962C8B-B14F-4D97-AF65-F5344CB8AC3E}">
+        <p14:creationId xmlns:p14="http://schemas.microsoft.com/office/powerpoint/2010/main" val="3705442125"/>
+      </p:ext>
+    </p:extLst>
+  </p:cSld>
+  <p:clrMapOvr>
+    <a:masterClrMapping/>
+  </p:clrMapOvr>
+</p:sld>
+</file>
+
+<file path=ppt/slides/slide11.xml><?xml version="1.0" encoding="utf-8"?>
+<p:sld xmlns:a="http://schemas.openxmlformats.org/drawingml/2006/main" xmlns:r="http://schemas.openxmlformats.org/officeDocument/2006/relationships" xmlns:p="http://schemas.openxmlformats.org/presentationml/2006/main">
+  <p:cSld>
+    <p:spTree>
+      <p:nvGrpSpPr>
+        <p:cNvPr id="1" name=""/>
+        <p:cNvGrpSpPr/>
+        <p:nvPr/>
+      </p:nvGrpSpPr>
+      <p:grpSpPr>
+        <a:xfrm>
+          <a:off x="0" y="0"/>
+          <a:ext cx="0" cy="0"/>
+          <a:chOff x="0" y="0"/>
+          <a:chExt cx="0" cy="0"/>
+        </a:xfrm>
+      </p:grpSpPr>
+      <p:sp>
+        <p:nvSpPr>
+          <p:cNvPr id="2" name="Rectangle 1"/>
+          <p:cNvSpPr/>
+          <p:nvPr/>
+        </p:nvSpPr>
+        <p:spPr>
+          <a:xfrm>
+            <a:off x="5112005" y="3013501"/>
+            <a:ext cx="3663696" cy="830997"/>
+          </a:xfrm>
+          <a:prstGeom prst="rect">
+            <a:avLst/>
+          </a:prstGeom>
+          <a:noFill/>
+        </p:spPr>
+        <p:txBody>
+          <a:bodyPr wrap="square" lIns="91440" tIns="45720" rIns="91440" bIns="45720">
+            <a:spAutoFit/>
+          </a:bodyPr>
+          <a:lstStyle/>
+          <a:p>
+            <a:r>
+              <a:rPr lang="en-US" sz="4800" dirty="0">
+                <a:ln w="0"/>
+                <a:solidFill>
+                  <a:srgbClr val="00BCF2"/>
+                </a:solidFill>
+                <a:effectLst>
+                  <a:outerShdw blurRad="38100" dist="19050" dir="2700000" algn="tl" rotWithShape="0">
+                    <a:schemeClr val="dk1">
+                      <a:alpha val="40000"/>
+                    </a:schemeClr>
+                  </a:outerShdw>
+                </a:effectLst>
+              </a:rPr>
+              <a:t>Q &amp; A</a:t>
+            </a:r>
+            <a:endParaRPr lang="en-US" sz="4800" b="0" cap="none" spc="0" dirty="0">
+              <a:ln w="0"/>
+              <a:solidFill>
+                <a:srgbClr val="00BCF2"/>
+              </a:solidFill>
+              <a:effectLst>
+                <a:outerShdw blurRad="38100" dist="19050" dir="2700000" algn="tl" rotWithShape="0">
+                  <a:schemeClr val="dk1">
+                    <a:alpha val="40000"/>
+                  </a:schemeClr>
+                </a:outerShdw>
+              </a:effectLst>
+            </a:endParaRPr>
+          </a:p>
+        </p:txBody>
+      </p:sp>
+      <p:sp>
+        <p:nvSpPr>
+          <p:cNvPr id="3" name="Rectangle 2"/>
+          <p:cNvSpPr/>
+          <p:nvPr/>
+        </p:nvSpPr>
+        <p:spPr>
+          <a:xfrm>
+            <a:off x="0" y="0"/>
+            <a:ext cx="182880" cy="6858000"/>
+          </a:xfrm>
+          <a:prstGeom prst="rect">
+            <a:avLst/>
+          </a:prstGeom>
+          <a:solidFill>
+            <a:srgbClr val="00BCF2"/>
+          </a:solidFill>
+          <a:ln>
+            <a:noFill/>
+          </a:ln>
+        </p:spPr>
+        <p:style>
+          <a:lnRef idx="2">
+            <a:schemeClr val="accent1">
+              <a:shade val="50000"/>
+            </a:schemeClr>
+          </a:lnRef>
+          <a:fillRef idx="1">
+            <a:schemeClr val="accent1"/>
+          </a:fillRef>
+          <a:effectRef idx="0">
+            <a:schemeClr val="accent1"/>
+          </a:effectRef>
+          <a:fontRef idx="minor">
+            <a:schemeClr val="lt1"/>
+          </a:fontRef>
+        </p:style>
+        <p:txBody>
+          <a:bodyPr rtlCol="0" anchor="ctr"/>
+          <a:lstStyle/>
+          <a:p>
+            <a:pPr algn="ctr"/>
+            <a:endParaRPr lang="en-US"/>
+          </a:p>
+        </p:txBody>
+      </p:sp>
+    </p:spTree>
+    <p:extLst>
+      <p:ext uri="{BB962C8B-B14F-4D97-AF65-F5344CB8AC3E}">
+        <p14:creationId xmlns:p14="http://schemas.microsoft.com/office/powerpoint/2010/main" val="1577005009"/>
       </p:ext>
     </p:extLst>
   </p:cSld>
@@ -3268,7 +3614,7 @@
         <p:spPr>
           <a:xfrm>
             <a:off x="1263903" y="1645103"/>
-            <a:ext cx="9073897" cy="1661993"/>
+            <a:ext cx="9073897" cy="2954655"/>
           </a:xfrm>
           <a:prstGeom prst="rect">
             <a:avLst/>
@@ -3294,7 +3640,61 @@
                 </a:solidFill>
                 <a:latin typeface="Segoe UI" panose="020B0502040204020203" pitchFamily="34" charset="0"/>
               </a:rPr>
+              <a:t>Application Insight</a:t>
+            </a:r>
+          </a:p>
+          <a:p>
+            <a:pPr marL="285750" indent="-285750">
+              <a:spcBef>
+                <a:spcPts val="1200"/>
+              </a:spcBef>
+              <a:buFont typeface="Wingdings" panose="05000000000000000000" pitchFamily="2" charset="2"/>
+              <a:buChar char="Ø"/>
+            </a:pPr>
+            <a:r>
+              <a:rPr lang="en-US" dirty="0">
+                <a:solidFill>
+                  <a:srgbClr val="505050"/>
+                </a:solidFill>
+                <a:latin typeface="Segoe UI" panose="020B0502040204020203" pitchFamily="34" charset="0"/>
+              </a:rPr>
+              <a:t>Using CDN for static content</a:t>
+            </a:r>
+          </a:p>
+          <a:p>
+            <a:pPr marL="285750" indent="-285750">
+              <a:spcBef>
+                <a:spcPts val="1200"/>
+              </a:spcBef>
+              <a:buFont typeface="Wingdings" panose="05000000000000000000" pitchFamily="2" charset="2"/>
+              <a:buChar char="Ø"/>
+            </a:pPr>
+            <a:r>
+              <a:rPr lang="en-US" dirty="0">
+                <a:solidFill>
+                  <a:srgbClr val="505050"/>
+                </a:solidFill>
+                <a:latin typeface="Segoe UI" panose="020B0502040204020203" pitchFamily="34" charset="0"/>
+              </a:rPr>
               <a:t>Web Essentials - a tool for every web developers</a:t>
+            </a:r>
+          </a:p>
+          <a:p>
+            <a:pPr marL="285750" indent="-285750">
+              <a:spcBef>
+                <a:spcPts val="1200"/>
+              </a:spcBef>
+              <a:buFont typeface="Wingdings" panose="05000000000000000000" pitchFamily="2" charset="2"/>
+              <a:buChar char="Ø"/>
+            </a:pPr>
+            <a:r>
+              <a:rPr lang="en-US" dirty="0">
+                <a:solidFill>
+                  <a:srgbClr val="505050"/>
+                </a:solidFill>
+                <a:latin typeface="Segoe UI" panose="020B0502040204020203" pitchFamily="34" charset="0"/>
+              </a:rPr>
+              <a:t>Debug mode vs Release mode</a:t>
             </a:r>
           </a:p>
           <a:p>
@@ -3472,65 +3872,6 @@
       </p:grpSpPr>
       <p:sp>
         <p:nvSpPr>
-          <p:cNvPr id="7" name="Rectangle 6"/>
-          <p:cNvSpPr/>
-          <p:nvPr/>
-        </p:nvSpPr>
-        <p:spPr>
-          <a:xfrm>
-            <a:off x="832104" y="396147"/>
-            <a:ext cx="10323575" cy="1569660"/>
-          </a:xfrm>
-          <a:prstGeom prst="rect">
-            <a:avLst/>
-          </a:prstGeom>
-          <a:noFill/>
-        </p:spPr>
-        <p:txBody>
-          <a:bodyPr wrap="square" lIns="91440" tIns="45720" rIns="91440" bIns="45720">
-            <a:spAutoFit/>
-          </a:bodyPr>
-          <a:lstStyle/>
-          <a:p>
-            <a:r>
-              <a:rPr lang="en-US" sz="4800" dirty="0">
-                <a:ln w="0"/>
-                <a:solidFill>
-                  <a:srgbClr val="00BCF2"/>
-                </a:solidFill>
-                <a:effectLst>
-                  <a:outerShdw blurRad="38100" dist="19050" dir="2700000" algn="tl" rotWithShape="0">
-                    <a:schemeClr val="dk1">
-                      <a:alpha val="40000"/>
-                    </a:schemeClr>
-                  </a:outerShdw>
-                </a:effectLst>
-              </a:rPr>
-              <a:t>Web Essentials</a:t>
-            </a:r>
-          </a:p>
-          <a:p>
-            <a:r>
-              <a:rPr lang="en-US" sz="4800" b="0" cap="none" spc="0" dirty="0">
-                <a:ln w="0"/>
-                <a:solidFill>
-                  <a:srgbClr val="00BCF2"/>
-                </a:solidFill>
-                <a:effectLst>
-                  <a:outerShdw blurRad="38100" dist="19050" dir="2700000" algn="tl" rotWithShape="0">
-                    <a:schemeClr val="dk1">
-                      <a:alpha val="40000"/>
-                    </a:schemeClr>
-                  </a:outerShdw>
-                </a:effectLst>
-              </a:rPr>
-              <a:t>A tool for every web developers</a:t>
-            </a:r>
-          </a:p>
-        </p:txBody>
-      </p:sp>
-      <p:sp>
-        <p:nvSpPr>
           <p:cNvPr id="9" name="Rectangle 8"/>
           <p:cNvSpPr/>
           <p:nvPr/>
@@ -3577,14 +3918,14 @@
       </p:sp>
       <p:sp>
         <p:nvSpPr>
-          <p:cNvPr id="8" name="Rectangle 7"/>
+          <p:cNvPr id="4" name="Rectangle 3"/>
           <p:cNvSpPr/>
           <p:nvPr/>
         </p:nvSpPr>
         <p:spPr>
           <a:xfrm>
-            <a:off x="832104" y="2432339"/>
-            <a:ext cx="10048059" cy="3477875"/>
+            <a:off x="823801" y="1997839"/>
+            <a:ext cx="10649880" cy="2862322"/>
           </a:xfrm>
           <a:prstGeom prst="rect">
             <a:avLst/>
@@ -3596,125 +3937,18 @@
           </a:bodyPr>
           <a:lstStyle/>
           <a:p>
-            <a:pPr>
-              <a:spcBef>
-                <a:spcPts val="1200"/>
-              </a:spcBef>
-            </a:pPr>
-            <a:r>
-              <a:rPr lang="en-US" dirty="0">
-                <a:solidFill>
-                  <a:srgbClr val="505050"/>
-                </a:solidFill>
-                <a:latin typeface="Segoe UI" panose="020B0502040204020203" pitchFamily="34" charset="0"/>
-              </a:rPr>
-              <a:t>I minify the </a:t>
-            </a:r>
-            <a:r>
-              <a:rPr lang="en-US" dirty="0" err="1">
-                <a:solidFill>
-                  <a:srgbClr val="505050"/>
-                </a:solidFill>
-                <a:latin typeface="Segoe UI" panose="020B0502040204020203" pitchFamily="34" charset="0"/>
-              </a:rPr>
-              <a:t>Javascript</a:t>
-            </a:r>
-            <a:r>
-              <a:rPr lang="en-US" dirty="0">
-                <a:solidFill>
-                  <a:srgbClr val="505050"/>
-                </a:solidFill>
-                <a:latin typeface="Segoe UI" panose="020B0502040204020203" pitchFamily="34" charset="0"/>
-              </a:rPr>
-              <a:t> and the CSS files using Web Essentials </a:t>
-            </a:r>
-            <a:r>
-              <a:rPr lang="en-US" dirty="0">
-                <a:solidFill>
-                  <a:srgbClr val="505050"/>
-                </a:solidFill>
-                <a:latin typeface="Segoe UI" panose="020B0502040204020203" pitchFamily="34" charset="0"/>
-                <a:hlinkClick r:id="rId2"/>
-              </a:rPr>
-              <a:t>https://github.com/madskristensen/webEssentials2015</a:t>
-            </a:r>
-            <a:r>
-              <a:rPr lang="en-US" dirty="0">
-                <a:solidFill>
-                  <a:srgbClr val="505050"/>
-                </a:solidFill>
-                <a:latin typeface="Segoe UI" panose="020B0502040204020203" pitchFamily="34" charset="0"/>
-              </a:rPr>
-              <a:t>, and even images using similar projects extension.</a:t>
-            </a:r>
-          </a:p>
-          <a:p>
-            <a:pPr>
-              <a:spcBef>
-                <a:spcPts val="1200"/>
-              </a:spcBef>
-            </a:pPr>
-            <a:endParaRPr lang="en-US" dirty="0">
-              <a:solidFill>
-                <a:srgbClr val="505050"/>
-              </a:solidFill>
-              <a:latin typeface="Segoe UI" panose="020B0502040204020203" pitchFamily="34" charset="0"/>
-            </a:endParaRPr>
-          </a:p>
-          <a:p>
-            <a:pPr>
-              <a:spcBef>
-                <a:spcPts val="1200"/>
-              </a:spcBef>
-            </a:pPr>
-            <a:r>
-              <a:rPr lang="en-US" dirty="0">
-                <a:solidFill>
-                  <a:srgbClr val="505050"/>
-                </a:solidFill>
-                <a:latin typeface="Segoe UI" panose="020B0502040204020203" pitchFamily="34" charset="0"/>
-              </a:rPr>
-              <a:t>But minifying HTML is more difficult. There are very few tools for that. Most of them integrates in the rendering pipeline. </a:t>
-            </a:r>
-          </a:p>
-          <a:p>
-            <a:pPr>
-              <a:spcBef>
-                <a:spcPts val="1200"/>
-              </a:spcBef>
-            </a:pPr>
-            <a:r>
-              <a:rPr lang="en-US" dirty="0">
-                <a:solidFill>
-                  <a:srgbClr val="505050"/>
-                </a:solidFill>
-                <a:latin typeface="Segoe UI" panose="020B0502040204020203" pitchFamily="34" charset="0"/>
-              </a:rPr>
-              <a:t>They are executed just after the HTML is generated by the pages. It means they are invoked after each page request and thus they increase the CPU usage. </a:t>
-            </a:r>
-          </a:p>
-          <a:p>
-            <a:pPr>
-              <a:spcBef>
-                <a:spcPts val="1200"/>
-              </a:spcBef>
-            </a:pPr>
-            <a:r>
-              <a:rPr lang="en-US" dirty="0">
-                <a:solidFill>
-                  <a:srgbClr val="505050"/>
-                </a:solidFill>
-                <a:latin typeface="Segoe UI" panose="020B0502040204020203" pitchFamily="34" charset="0"/>
-              </a:rPr>
-              <a:t>The only real solution to minify HTML while reducing CPU and bandwidth usage, is to rewrite the pages manually to remove all the useless blank characters.</a:t>
-            </a:r>
+            <a:r>
+              <a:rPr lang="en-US" sz="3600" dirty="0"/>
+              <a:t>Before deploying your app on production or pre-production we should always look at every possible way to improve performance. This session will be all about improving performance in the code, on server and i will share all the hard lessons that I learned so far.</a:t>
+            </a:r>
+            <a:endParaRPr lang="en-US" sz="3600" dirty="0"/>
           </a:p>
         </p:txBody>
       </p:sp>
     </p:spTree>
     <p:extLst>
       <p:ext uri="{BB962C8B-B14F-4D97-AF65-F5344CB8AC3E}">
-        <p14:creationId xmlns:p14="http://schemas.microsoft.com/office/powerpoint/2010/main" val="3290775782"/>
+        <p14:creationId xmlns:p14="http://schemas.microsoft.com/office/powerpoint/2010/main" val="3331366805"/>
       </p:ext>
     </p:extLst>
   </p:cSld>
@@ -3750,7 +3984,7 @@
         <p:spPr>
           <a:xfrm>
             <a:off x="832104" y="396147"/>
-            <a:ext cx="10323575" cy="1569660"/>
+            <a:ext cx="10323575" cy="830997"/>
           </a:xfrm>
           <a:prstGeom prst="rect">
             <a:avLst/>
@@ -3777,7 +4011,7 @@
                   </a:outerShdw>
                 </a:effectLst>
               </a:rPr>
-              <a:t>Remove white spaces from rendered HTML in MVC</a:t>
+              <a:t>Application Insights</a:t>
             </a:r>
             <a:endParaRPr lang="en-US" sz="4800" b="0" cap="none" spc="0" dirty="0">
               <a:ln w="0"/>
@@ -3841,143 +4075,10 @@
           </a:p>
         </p:txBody>
       </p:sp>
-      <p:sp>
-        <p:nvSpPr>
-          <p:cNvPr id="6" name="Rectangle 5"/>
-          <p:cNvSpPr/>
-          <p:nvPr/>
-        </p:nvSpPr>
-        <p:spPr>
-          <a:xfrm>
-            <a:off x="955220" y="2239171"/>
-            <a:ext cx="10390329" cy="3200876"/>
-          </a:xfrm>
-          <a:prstGeom prst="rect">
-            <a:avLst/>
-          </a:prstGeom>
-        </p:spPr>
-        <p:txBody>
-          <a:bodyPr wrap="square">
-            <a:spAutoFit/>
-          </a:bodyPr>
-          <a:lstStyle/>
-          <a:p>
-            <a:pPr>
-              <a:spcBef>
-                <a:spcPts val="1200"/>
-              </a:spcBef>
-            </a:pPr>
-            <a:r>
-              <a:rPr lang="en-US" dirty="0">
-                <a:solidFill>
-                  <a:srgbClr val="505050"/>
-                </a:solidFill>
-                <a:latin typeface="Segoe UI" panose="020B0502040204020203" pitchFamily="34" charset="0"/>
-              </a:rPr>
-              <a:t>I minify the JavaScript, CSS files and bundle them, use image sprite, lossless image optimize using Web Essentials to enhance web application performance.</a:t>
-            </a:r>
-          </a:p>
-          <a:p>
-            <a:pPr>
-              <a:spcBef>
-                <a:spcPts val="1200"/>
-              </a:spcBef>
-            </a:pPr>
-            <a:endParaRPr lang="en-US" dirty="0">
-              <a:solidFill>
-                <a:srgbClr val="505050"/>
-              </a:solidFill>
-              <a:latin typeface="Segoe UI" panose="020B0502040204020203" pitchFamily="34" charset="0"/>
-            </a:endParaRPr>
-          </a:p>
-          <a:p>
-            <a:pPr>
-              <a:spcBef>
-                <a:spcPts val="1200"/>
-              </a:spcBef>
-            </a:pPr>
-            <a:r>
-              <a:rPr lang="en-US" dirty="0">
-                <a:solidFill>
-                  <a:srgbClr val="505050"/>
-                </a:solidFill>
-                <a:latin typeface="Segoe UI" panose="020B0502040204020203" pitchFamily="34" charset="0"/>
-              </a:rPr>
-              <a:t>But minifying HTML is equally important but there is more difficulties. There are very few tools for that. Most of them integrates in the rendering pipeline.</a:t>
-            </a:r>
-          </a:p>
-          <a:p>
-            <a:pPr>
-              <a:spcBef>
-                <a:spcPts val="1200"/>
-              </a:spcBef>
-            </a:pPr>
-            <a:r>
-              <a:rPr lang="en-US" dirty="0">
-                <a:solidFill>
-                  <a:srgbClr val="505050"/>
-                </a:solidFill>
-                <a:latin typeface="Segoe UI" panose="020B0502040204020203" pitchFamily="34" charset="0"/>
-              </a:rPr>
-              <a:t>They are executed just after the HTML is generated by the pages. It means they are invoked after each page request and thus they increase the CPU usage.</a:t>
-            </a:r>
-          </a:p>
-          <a:p>
-            <a:pPr>
-              <a:spcBef>
-                <a:spcPts val="1200"/>
-              </a:spcBef>
-            </a:pPr>
-            <a:r>
-              <a:rPr lang="en-US" dirty="0">
-                <a:solidFill>
-                  <a:srgbClr val="505050"/>
-                </a:solidFill>
-                <a:latin typeface="Segoe UI" panose="020B0502040204020203" pitchFamily="34" charset="0"/>
-              </a:rPr>
-              <a:t>The only real solution to minify HTML while reducing CPU and bandwidth usage, is to rewrite the pages manually to remove all the useless blank characters.</a:t>
-            </a:r>
-          </a:p>
-        </p:txBody>
-      </p:sp>
-      <p:sp>
-        <p:nvSpPr>
-          <p:cNvPr id="3" name="Rectangle 2"/>
-          <p:cNvSpPr/>
-          <p:nvPr/>
-        </p:nvSpPr>
-        <p:spPr>
-          <a:xfrm rot="16200000">
-            <a:off x="-1028695" y="5173702"/>
-            <a:ext cx="2826158" cy="369332"/>
-          </a:xfrm>
-          <a:prstGeom prst="rect">
-            <a:avLst/>
-          </a:prstGeom>
-        </p:spPr>
-        <p:txBody>
-          <a:bodyPr wrap="none">
-            <a:spAutoFit/>
-          </a:bodyPr>
-          <a:lstStyle/>
-          <a:p>
-            <a:r>
-              <a:rPr lang="en-US" dirty="0">
-                <a:solidFill>
-                  <a:schemeClr val="bg1">
-                    <a:lumMod val="65000"/>
-                  </a:schemeClr>
-                </a:solidFill>
-              </a:rPr>
-              <a:t>WhiteSpaceRemoval Project</a:t>
-            </a:r>
-          </a:p>
-        </p:txBody>
-      </p:sp>
     </p:spTree>
     <p:extLst>
       <p:ext uri="{BB962C8B-B14F-4D97-AF65-F5344CB8AC3E}">
-        <p14:creationId xmlns:p14="http://schemas.microsoft.com/office/powerpoint/2010/main" val="770534002"/>
+        <p14:creationId xmlns:p14="http://schemas.microsoft.com/office/powerpoint/2010/main" val="2644067907"/>
       </p:ext>
     </p:extLst>
   </p:cSld>
@@ -4027,7 +4128,7 @@
           <a:lstStyle/>
           <a:p>
             <a:r>
-              <a:rPr lang="en-US" sz="4800" b="0" cap="none" spc="0" dirty="0">
+              <a:rPr lang="en-US" sz="4800" dirty="0">
                 <a:ln w="0"/>
                 <a:solidFill>
                   <a:srgbClr val="00BCF2"/>
@@ -4040,8 +4141,21 @@
                   </a:outerShdw>
                 </a:effectLst>
               </a:rPr>
-              <a:t>Visual Studio Spell Checker</a:t>
-            </a:r>
+              <a:t>Using CDN</a:t>
+            </a:r>
+            <a:endParaRPr lang="en-US" sz="4800" b="0" cap="none" spc="0" dirty="0">
+              <a:ln w="0"/>
+              <a:solidFill>
+                <a:srgbClr val="00BCF2"/>
+              </a:solidFill>
+              <a:effectLst>
+                <a:outerShdw blurRad="38100" dist="19050" dir="2700000" algn="tl" rotWithShape="0">
+                  <a:schemeClr val="dk1">
+                    <a:alpha val="40000"/>
+                  </a:schemeClr>
+                </a:outerShdw>
+              </a:effectLst>
+            </a:endParaRPr>
           </a:p>
         </p:txBody>
       </p:sp>
@@ -4093,14 +4207,14 @@
       </p:sp>
       <p:sp>
         <p:nvSpPr>
-          <p:cNvPr id="8" name="Rectangle 7"/>
+          <p:cNvPr id="2" name="Rectangle 1"/>
           <p:cNvSpPr/>
           <p:nvPr/>
         </p:nvSpPr>
         <p:spPr>
           <a:xfrm>
-            <a:off x="832104" y="1797502"/>
-            <a:ext cx="10048059" cy="1785104"/>
+            <a:off x="832104" y="1713851"/>
+            <a:ext cx="10436972" cy="2000548"/>
           </a:xfrm>
           <a:prstGeom prst="rect">
             <a:avLst/>
@@ -4112,63 +4226,50 @@
           </a:bodyPr>
           <a:lstStyle/>
           <a:p>
-            <a:pPr>
-              <a:spcBef>
-                <a:spcPts val="1200"/>
-              </a:spcBef>
-            </a:pPr>
-            <a:r>
-              <a:rPr lang="en-US" dirty="0">
-                <a:solidFill>
-                  <a:srgbClr val="505050"/>
-                </a:solidFill>
-                <a:latin typeface="Segoe UI" panose="020B0502040204020203" pitchFamily="34" charset="0"/>
-              </a:rPr>
-              <a:t>An editor extension that checks the spelling of comments, strings, and plain text as you type or interactively with a tool window. It can also spell check an entire solution, project, or selected items. Options are available to define multiple languages to spell check against.</a:t>
-            </a:r>
-          </a:p>
-          <a:p>
-            <a:pPr>
-              <a:spcBef>
-                <a:spcPts val="1200"/>
-              </a:spcBef>
-            </a:pPr>
-            <a:endParaRPr lang="en-US" dirty="0">
-              <a:solidFill>
-                <a:srgbClr val="505050"/>
-              </a:solidFill>
-              <a:latin typeface="Segoe UI" panose="020B0502040204020203" pitchFamily="34" charset="0"/>
-            </a:endParaRPr>
-          </a:p>
-          <a:p>
-            <a:pPr>
-              <a:spcBef>
-                <a:spcPts val="1200"/>
-              </a:spcBef>
-            </a:pPr>
-            <a:r>
-              <a:rPr lang="en-US" dirty="0">
-                <a:hlinkClick r:id="rId2"/>
-              </a:rPr>
-              <a:t>https://marketplace.visualstudio.com/items?itemName=EWoodruff.VisualStudioSpellChecker</a:t>
-            </a:r>
-            <a:r>
-              <a:rPr lang="en-US" dirty="0">
-                <a:solidFill>
-                  <a:srgbClr val="505050"/>
-                </a:solidFill>
-                <a:latin typeface="Segoe UI" panose="020B0502040204020203" pitchFamily="34" charset="0"/>
-              </a:rPr>
-              <a:t> </a:t>
-            </a:r>
-            <a:endParaRPr lang="en-US" dirty="0"/>
+            <a:r>
+              <a:rPr lang="en-US" sz="2800" dirty="0"/>
+              <a:t>CDN would allow users to get static content (</a:t>
+            </a:r>
+            <a:r>
+              <a:rPr lang="en-US" sz="2800" dirty="0" err="1"/>
+              <a:t>css</a:t>
+            </a:r>
+            <a:r>
+              <a:rPr lang="en-US" sz="2800" dirty="0"/>
+              <a:t>, </a:t>
+            </a:r>
+            <a:r>
+              <a:rPr lang="en-US" sz="2800" dirty="0" err="1"/>
+              <a:t>js</a:t>
+            </a:r>
+            <a:r>
+              <a:rPr lang="en-US" sz="2800" dirty="0"/>
+              <a:t>, images files) from closer source. Consider using your CDN for all the static files, this releases huge load from server.</a:t>
+            </a:r>
+          </a:p>
+          <a:p>
+            <a:r>
+              <a:rPr lang="en-US" sz="2000" dirty="0"/>
+              <a:t>    - </a:t>
+            </a:r>
+            <a:r>
+              <a:rPr lang="en-US" sz="2000" dirty="0"/>
+              <a:t>C# Corner website uses CDN</a:t>
+            </a:r>
+          </a:p>
+          <a:p>
+            <a:r>
+              <a:rPr lang="en-US" sz="2000" dirty="0"/>
+              <a:t>    - Stack-Overflow uses CDN</a:t>
+            </a:r>
+            <a:endParaRPr lang="en-US" sz="2000" dirty="0"/>
           </a:p>
         </p:txBody>
       </p:sp>
     </p:spTree>
     <p:extLst>
       <p:ext uri="{BB962C8B-B14F-4D97-AF65-F5344CB8AC3E}">
-        <p14:creationId xmlns:p14="http://schemas.microsoft.com/office/powerpoint/2010/main" val="2052079712"/>
+        <p14:creationId xmlns:p14="http://schemas.microsoft.com/office/powerpoint/2010/main" val="2656227912"/>
       </p:ext>
     </p:extLst>
   </p:cSld>
@@ -4204,7 +4305,7 @@
         <p:spPr>
           <a:xfrm>
             <a:off x="832104" y="396147"/>
-            <a:ext cx="10323575" cy="830997"/>
+            <a:ext cx="10323575" cy="1569660"/>
           </a:xfrm>
           <a:prstGeom prst="rect">
             <a:avLst/>
@@ -4216,6 +4317,24 @@
             <a:spAutoFit/>
           </a:bodyPr>
           <a:lstStyle/>
+          <a:p>
+            <a:r>
+              <a:rPr lang="en-US" sz="4800" dirty="0">
+                <a:ln w="0"/>
+                <a:solidFill>
+                  <a:srgbClr val="00BCF2"/>
+                </a:solidFill>
+                <a:effectLst>
+                  <a:outerShdw blurRad="38100" dist="19050" dir="2700000" algn="tl" rotWithShape="0">
+                    <a:schemeClr val="dk1">
+                      <a:alpha val="40000"/>
+                    </a:schemeClr>
+                  </a:outerShdw>
+                </a:effectLst>
+              </a:rPr>
+              <a:t>Web Essentials</a:t>
+            </a:r>
+          </a:p>
           <a:p>
             <a:r>
               <a:rPr lang="en-US" sz="4800" b="0" cap="none" spc="0" dirty="0">
@@ -4231,7 +4350,7 @@
                   </a:outerShdw>
                 </a:effectLst>
               </a:rPr>
-              <a:t>Visual Studio Code Analysis</a:t>
+              <a:t>A tool for every web developers</a:t>
             </a:r>
           </a:p>
         </p:txBody>
@@ -4290,8 +4409,8 @@
         </p:nvSpPr>
         <p:spPr>
           <a:xfrm>
-            <a:off x="832104" y="1797502"/>
-            <a:ext cx="10048059" cy="369332"/>
+            <a:off x="832104" y="2432339"/>
+            <a:ext cx="10048059" cy="3477875"/>
           </a:xfrm>
           <a:prstGeom prst="rect">
             <a:avLst/>
@@ -4315,25 +4434,113 @@
                 </a:solidFill>
                 <a:latin typeface="Segoe UI" panose="020B0502040204020203" pitchFamily="34" charset="0"/>
               </a:rPr>
-              <a:t>Need to </a:t>
-            </a:r>
-            <a:r>
-              <a:rPr lang="en-US">
+              <a:t>I minify the </a:t>
+            </a:r>
+            <a:r>
+              <a:rPr lang="en-US" dirty="0" err="1">
                 <a:solidFill>
                   <a:srgbClr val="505050"/>
                 </a:solidFill>
                 <a:latin typeface="Segoe UI" panose="020B0502040204020203" pitchFamily="34" charset="0"/>
               </a:rPr>
-              <a:t>write this </a:t>
-            </a:r>
-            <a:endParaRPr lang="en-US" dirty="0"/>
+              <a:t>Javascript</a:t>
+            </a:r>
+            <a:r>
+              <a:rPr lang="en-US" dirty="0">
+                <a:solidFill>
+                  <a:srgbClr val="505050"/>
+                </a:solidFill>
+                <a:latin typeface="Segoe UI" panose="020B0502040204020203" pitchFamily="34" charset="0"/>
+              </a:rPr>
+              <a:t> and the CSS files using Web Essentials </a:t>
+            </a:r>
+            <a:r>
+              <a:rPr lang="en-US" dirty="0">
+                <a:solidFill>
+                  <a:srgbClr val="505050"/>
+                </a:solidFill>
+                <a:latin typeface="Segoe UI" panose="020B0502040204020203" pitchFamily="34" charset="0"/>
+                <a:hlinkClick r:id="rId2"/>
+              </a:rPr>
+              <a:t>https://github.com/madskristensen/webEssentials2015</a:t>
+            </a:r>
+            <a:r>
+              <a:rPr lang="en-US" dirty="0">
+                <a:solidFill>
+                  <a:srgbClr val="505050"/>
+                </a:solidFill>
+                <a:latin typeface="Segoe UI" panose="020B0502040204020203" pitchFamily="34" charset="0"/>
+              </a:rPr>
+              <a:t>, and even images using similar projects extension.</a:t>
+            </a:r>
+          </a:p>
+          <a:p>
+            <a:pPr>
+              <a:spcBef>
+                <a:spcPts val="1200"/>
+              </a:spcBef>
+            </a:pPr>
+            <a:endParaRPr lang="en-US" dirty="0">
+              <a:solidFill>
+                <a:srgbClr val="505050"/>
+              </a:solidFill>
+              <a:latin typeface="Segoe UI" panose="020B0502040204020203" pitchFamily="34" charset="0"/>
+            </a:endParaRPr>
+          </a:p>
+          <a:p>
+            <a:pPr>
+              <a:spcBef>
+                <a:spcPts val="1200"/>
+              </a:spcBef>
+            </a:pPr>
+            <a:r>
+              <a:rPr lang="en-US" dirty="0">
+                <a:solidFill>
+                  <a:srgbClr val="505050"/>
+                </a:solidFill>
+                <a:latin typeface="Segoe UI" panose="020B0502040204020203" pitchFamily="34" charset="0"/>
+              </a:rPr>
+              <a:t>But minifying HTML is more difficult. There are very few tools for that. Most of them integrates in the rendering pipeline. </a:t>
+            </a:r>
+          </a:p>
+          <a:p>
+            <a:pPr>
+              <a:spcBef>
+                <a:spcPts val="1200"/>
+              </a:spcBef>
+            </a:pPr>
+            <a:r>
+              <a:rPr lang="en-US" dirty="0">
+                <a:solidFill>
+                  <a:srgbClr val="505050"/>
+                </a:solidFill>
+                <a:latin typeface="Segoe UI" panose="020B0502040204020203" pitchFamily="34" charset="0"/>
+              </a:rPr>
+              <a:t>They are executed just after the HTML is generated by the pages. It means they are invoked after each page request and thus they increase the CPU usage. </a:t>
+            </a:r>
+          </a:p>
+          <a:p>
+            <a:pPr>
+              <a:spcBef>
+                <a:spcPts val="1200"/>
+              </a:spcBef>
+            </a:pPr>
+            <a:r>
+              <a:rPr lang="en-US" dirty="0">
+                <a:solidFill>
+                  <a:srgbClr val="505050"/>
+                </a:solidFill>
+                <a:latin typeface="Segoe UI" panose="020B0502040204020203" pitchFamily="34" charset="0"/>
+              </a:rPr>
+              <a:t>The only real solution to minify HTML while reducing CPU and bandwidth usage, is to rewrite the pages manually to remove all the useless blank characters.</a:t>
+            </a:r>
           </a:p>
         </p:txBody>
       </p:sp>
     </p:spTree>
     <p:extLst>
       <p:ext uri="{BB962C8B-B14F-4D97-AF65-F5344CB8AC3E}">
-        <p14:creationId xmlns:p14="http://schemas.microsoft.com/office/powerpoint/2010/main" val="1112162478"/>
+        <p14:creationId xmlns:p14="http://schemas.microsoft.com/office/powerpoint/2010/main" val="3290775782"/>
       </p:ext>
     </p:extLst>
   </p:cSld>
@@ -4362,14 +4569,14 @@
       </p:grpSpPr>
       <p:sp>
         <p:nvSpPr>
-          <p:cNvPr id="2" name="Rectangle 1"/>
+          <p:cNvPr id="7" name="Rectangle 6"/>
           <p:cNvSpPr/>
           <p:nvPr/>
         </p:nvSpPr>
         <p:spPr>
           <a:xfrm>
-            <a:off x="5112005" y="3013501"/>
-            <a:ext cx="3663696" cy="830997"/>
+            <a:off x="832104" y="396147"/>
+            <a:ext cx="10323575" cy="830997"/>
           </a:xfrm>
           <a:prstGeom prst="rect">
             <a:avLst/>
@@ -4396,7 +4603,7 @@
                   </a:outerShdw>
                 </a:effectLst>
               </a:rPr>
-              <a:t>Q &amp; A</a:t>
+              <a:t>Debug mode vs Release mode</a:t>
             </a:r>
             <a:endParaRPr lang="en-US" sz="4800" b="0" cap="none" spc="0" dirty="0">
               <a:ln w="0"/>
@@ -4416,7 +4623,7 @@
       </p:sp>
       <p:sp>
         <p:nvSpPr>
-          <p:cNvPr id="3" name="Rectangle 2"/>
+          <p:cNvPr id="9" name="Rectangle 8"/>
           <p:cNvSpPr/>
           <p:nvPr/>
         </p:nvSpPr>
@@ -4460,10 +4667,485 @@
           </a:p>
         </p:txBody>
       </p:sp>
+      <p:sp>
+        <p:nvSpPr>
+          <p:cNvPr id="4" name="Rectangle 3"/>
+          <p:cNvSpPr/>
+          <p:nvPr/>
+        </p:nvSpPr>
+        <p:spPr>
+          <a:xfrm>
+            <a:off x="902751" y="1673664"/>
+            <a:ext cx="10471919" cy="2800767"/>
+          </a:xfrm>
+          <a:prstGeom prst="rect">
+            <a:avLst/>
+          </a:prstGeom>
+        </p:spPr>
+        <p:txBody>
+          <a:bodyPr wrap="square">
+            <a:spAutoFit/>
+          </a:bodyPr>
+          <a:lstStyle/>
+          <a:p>
+            <a:r>
+              <a:rPr lang="en-US" sz="2800" dirty="0"/>
+              <a:t>In Debug Mode your DLL has debug information inside of it (source code, variable names, symbolic information and other similar stuff).</a:t>
+            </a:r>
+          </a:p>
+          <a:p>
+            <a:r>
+              <a:rPr lang="en-US" sz="2400" dirty="0"/>
+              <a:t>      - Debug Mode creates PDB file to store debug information</a:t>
+            </a:r>
+          </a:p>
+          <a:p>
+            <a:endParaRPr lang="en-US" sz="2400" dirty="0"/>
+          </a:p>
+          <a:p>
+            <a:endParaRPr lang="en-US" sz="1600" dirty="0"/>
+          </a:p>
+          <a:p>
+            <a:r>
+              <a:rPr lang="en-US" sz="2800" dirty="0"/>
+              <a:t>In Release Mode your DLL lack of debug information makes it smaller and probably performs better due to its smaller footprint.</a:t>
+            </a:r>
+            <a:endParaRPr lang="en-US" sz="2800" dirty="0"/>
+          </a:p>
+        </p:txBody>
+      </p:sp>
     </p:spTree>
     <p:extLst>
       <p:ext uri="{BB962C8B-B14F-4D97-AF65-F5344CB8AC3E}">
-        <p14:creationId xmlns:p14="http://schemas.microsoft.com/office/powerpoint/2010/main" val="1577005009"/>
+        <p14:creationId xmlns:p14="http://schemas.microsoft.com/office/powerpoint/2010/main" val="1725472280"/>
+      </p:ext>
+    </p:extLst>
+  </p:cSld>
+  <p:clrMapOvr>
+    <a:masterClrMapping/>
+  </p:clrMapOvr>
+</p:sld>
+</file>
+
+<file path=ppt/slides/slide8.xml><?xml version="1.0" encoding="utf-8"?>
+<p:sld xmlns:a="http://schemas.openxmlformats.org/drawingml/2006/main" xmlns:r="http://schemas.openxmlformats.org/officeDocument/2006/relationships" xmlns:p="http://schemas.openxmlformats.org/presentationml/2006/main">
+  <p:cSld>
+    <p:spTree>
+      <p:nvGrpSpPr>
+        <p:cNvPr id="1" name=""/>
+        <p:cNvGrpSpPr/>
+        <p:nvPr/>
+      </p:nvGrpSpPr>
+      <p:grpSpPr>
+        <a:xfrm>
+          <a:off x="0" y="0"/>
+          <a:ext cx="0" cy="0"/>
+          <a:chOff x="0" y="0"/>
+          <a:chExt cx="0" cy="0"/>
+        </a:xfrm>
+      </p:grpSpPr>
+      <p:sp>
+        <p:nvSpPr>
+          <p:cNvPr id="7" name="Rectangle 6"/>
+          <p:cNvSpPr/>
+          <p:nvPr/>
+        </p:nvSpPr>
+        <p:spPr>
+          <a:xfrm>
+            <a:off x="832104" y="396147"/>
+            <a:ext cx="10323575" cy="1569660"/>
+          </a:xfrm>
+          <a:prstGeom prst="rect">
+            <a:avLst/>
+          </a:prstGeom>
+          <a:noFill/>
+        </p:spPr>
+        <p:txBody>
+          <a:bodyPr wrap="square" lIns="91440" tIns="45720" rIns="91440" bIns="45720">
+            <a:spAutoFit/>
+          </a:bodyPr>
+          <a:lstStyle/>
+          <a:p>
+            <a:r>
+              <a:rPr lang="en-US" sz="4800" dirty="0">
+                <a:ln w="0"/>
+                <a:solidFill>
+                  <a:srgbClr val="00BCF2"/>
+                </a:solidFill>
+                <a:effectLst>
+                  <a:outerShdw blurRad="38100" dist="19050" dir="2700000" algn="tl" rotWithShape="0">
+                    <a:schemeClr val="dk1">
+                      <a:alpha val="40000"/>
+                    </a:schemeClr>
+                  </a:outerShdw>
+                </a:effectLst>
+              </a:rPr>
+              <a:t>Remove white spaces from rendered HTML in MVC</a:t>
+            </a:r>
+            <a:endParaRPr lang="en-US" sz="4800" b="0" cap="none" spc="0" dirty="0">
+              <a:ln w="0"/>
+              <a:solidFill>
+                <a:srgbClr val="00BCF2"/>
+              </a:solidFill>
+              <a:effectLst>
+                <a:outerShdw blurRad="38100" dist="19050" dir="2700000" algn="tl" rotWithShape="0">
+                  <a:schemeClr val="dk1">
+                    <a:alpha val="40000"/>
+                  </a:schemeClr>
+                </a:outerShdw>
+              </a:effectLst>
+            </a:endParaRPr>
+          </a:p>
+        </p:txBody>
+      </p:sp>
+      <p:sp>
+        <p:nvSpPr>
+          <p:cNvPr id="9" name="Rectangle 8"/>
+          <p:cNvSpPr/>
+          <p:nvPr/>
+        </p:nvSpPr>
+        <p:spPr>
+          <a:xfrm>
+            <a:off x="0" y="0"/>
+            <a:ext cx="182880" cy="6858000"/>
+          </a:xfrm>
+          <a:prstGeom prst="rect">
+            <a:avLst/>
+          </a:prstGeom>
+          <a:solidFill>
+            <a:srgbClr val="00BCF2"/>
+          </a:solidFill>
+          <a:ln>
+            <a:noFill/>
+          </a:ln>
+        </p:spPr>
+        <p:style>
+          <a:lnRef idx="2">
+            <a:schemeClr val="accent1">
+              <a:shade val="50000"/>
+            </a:schemeClr>
+          </a:lnRef>
+          <a:fillRef idx="1">
+            <a:schemeClr val="accent1"/>
+          </a:fillRef>
+          <a:effectRef idx="0">
+            <a:schemeClr val="accent1"/>
+          </a:effectRef>
+          <a:fontRef idx="minor">
+            <a:schemeClr val="lt1"/>
+          </a:fontRef>
+        </p:style>
+        <p:txBody>
+          <a:bodyPr rtlCol="0" anchor="ctr"/>
+          <a:lstStyle/>
+          <a:p>
+            <a:pPr algn="ctr"/>
+            <a:endParaRPr lang="en-US"/>
+          </a:p>
+        </p:txBody>
+      </p:sp>
+      <p:sp>
+        <p:nvSpPr>
+          <p:cNvPr id="6" name="Rectangle 5"/>
+          <p:cNvSpPr/>
+          <p:nvPr/>
+        </p:nvSpPr>
+        <p:spPr>
+          <a:xfrm>
+            <a:off x="955220" y="2239171"/>
+            <a:ext cx="10390329" cy="3200876"/>
+          </a:xfrm>
+          <a:prstGeom prst="rect">
+            <a:avLst/>
+          </a:prstGeom>
+        </p:spPr>
+        <p:txBody>
+          <a:bodyPr wrap="square">
+            <a:spAutoFit/>
+          </a:bodyPr>
+          <a:lstStyle/>
+          <a:p>
+            <a:pPr>
+              <a:spcBef>
+                <a:spcPts val="1200"/>
+              </a:spcBef>
+            </a:pPr>
+            <a:r>
+              <a:rPr lang="en-US" dirty="0">
+                <a:solidFill>
+                  <a:srgbClr val="505050"/>
+                </a:solidFill>
+                <a:latin typeface="Segoe UI" panose="020B0502040204020203" pitchFamily="34" charset="0"/>
+              </a:rPr>
+              <a:t>I minify the JavaScript, CSS files and bundle them, use image sprite, lossless image optimize using Web Essentials to enhance web application performance.</a:t>
+            </a:r>
+          </a:p>
+          <a:p>
+            <a:pPr>
+              <a:spcBef>
+                <a:spcPts val="1200"/>
+              </a:spcBef>
+            </a:pPr>
+            <a:endParaRPr lang="en-US" dirty="0">
+              <a:solidFill>
+                <a:srgbClr val="505050"/>
+              </a:solidFill>
+              <a:latin typeface="Segoe UI" panose="020B0502040204020203" pitchFamily="34" charset="0"/>
+            </a:endParaRPr>
+          </a:p>
+          <a:p>
+            <a:pPr>
+              <a:spcBef>
+                <a:spcPts val="1200"/>
+              </a:spcBef>
+            </a:pPr>
+            <a:r>
+              <a:rPr lang="en-US" dirty="0">
+                <a:solidFill>
+                  <a:srgbClr val="505050"/>
+                </a:solidFill>
+                <a:latin typeface="Segoe UI" panose="020B0502040204020203" pitchFamily="34" charset="0"/>
+              </a:rPr>
+              <a:t>But minifying HTML is equally important but there is more difficulties. There are very few tools for that. Most of them integrates in the rendering pipeline.</a:t>
+            </a:r>
+          </a:p>
+          <a:p>
+            <a:pPr>
+              <a:spcBef>
+                <a:spcPts val="1200"/>
+              </a:spcBef>
+            </a:pPr>
+            <a:r>
+              <a:rPr lang="en-US" dirty="0">
+                <a:solidFill>
+                  <a:srgbClr val="505050"/>
+                </a:solidFill>
+                <a:latin typeface="Segoe UI" panose="020B0502040204020203" pitchFamily="34" charset="0"/>
+              </a:rPr>
+              <a:t>They are executed just after the HTML is generated by the pages. It means they are invoked after each page request and thus they increase the CPU usage.</a:t>
+            </a:r>
+          </a:p>
+          <a:p>
+            <a:pPr>
+              <a:spcBef>
+                <a:spcPts val="1200"/>
+              </a:spcBef>
+            </a:pPr>
+            <a:r>
+              <a:rPr lang="en-US" dirty="0">
+                <a:solidFill>
+                  <a:srgbClr val="505050"/>
+                </a:solidFill>
+                <a:latin typeface="Segoe UI" panose="020B0502040204020203" pitchFamily="34" charset="0"/>
+              </a:rPr>
+              <a:t>The only real solution to minify HTML while reducing CPU and bandwidth usage, is to rewrite the pages manually to remove all the useless blank characters.</a:t>
+            </a:r>
+          </a:p>
+        </p:txBody>
+      </p:sp>
+      <p:sp>
+        <p:nvSpPr>
+          <p:cNvPr id="3" name="Rectangle 2"/>
+          <p:cNvSpPr/>
+          <p:nvPr/>
+        </p:nvSpPr>
+        <p:spPr>
+          <a:xfrm rot="16200000">
+            <a:off x="-1028695" y="5173702"/>
+            <a:ext cx="2826158" cy="369332"/>
+          </a:xfrm>
+          <a:prstGeom prst="rect">
+            <a:avLst/>
+          </a:prstGeom>
+        </p:spPr>
+        <p:txBody>
+          <a:bodyPr wrap="none">
+            <a:spAutoFit/>
+          </a:bodyPr>
+          <a:lstStyle/>
+          <a:p>
+            <a:r>
+              <a:rPr lang="en-US" dirty="0">
+                <a:solidFill>
+                  <a:schemeClr val="bg1">
+                    <a:lumMod val="65000"/>
+                  </a:schemeClr>
+                </a:solidFill>
+              </a:rPr>
+              <a:t>WhiteSpaceRemoval Project</a:t>
+            </a:r>
+          </a:p>
+        </p:txBody>
+      </p:sp>
+    </p:spTree>
+    <p:extLst>
+      <p:ext uri="{BB962C8B-B14F-4D97-AF65-F5344CB8AC3E}">
+        <p14:creationId xmlns:p14="http://schemas.microsoft.com/office/powerpoint/2010/main" val="770534002"/>
+      </p:ext>
+    </p:extLst>
+  </p:cSld>
+  <p:clrMapOvr>
+    <a:masterClrMapping/>
+  </p:clrMapOvr>
+</p:sld>
+</file>
+
+<file path=ppt/slides/slide9.xml><?xml version="1.0" encoding="utf-8"?>
+<p:sld xmlns:a="http://schemas.openxmlformats.org/drawingml/2006/main" xmlns:r="http://schemas.openxmlformats.org/officeDocument/2006/relationships" xmlns:p="http://schemas.openxmlformats.org/presentationml/2006/main">
+  <p:cSld>
+    <p:spTree>
+      <p:nvGrpSpPr>
+        <p:cNvPr id="1" name=""/>
+        <p:cNvGrpSpPr/>
+        <p:nvPr/>
+      </p:nvGrpSpPr>
+      <p:grpSpPr>
+        <a:xfrm>
+          <a:off x="0" y="0"/>
+          <a:ext cx="0" cy="0"/>
+          <a:chOff x="0" y="0"/>
+          <a:chExt cx="0" cy="0"/>
+        </a:xfrm>
+      </p:grpSpPr>
+      <p:sp>
+        <p:nvSpPr>
+          <p:cNvPr id="7" name="Rectangle 6"/>
+          <p:cNvSpPr/>
+          <p:nvPr/>
+        </p:nvSpPr>
+        <p:spPr>
+          <a:xfrm>
+            <a:off x="832104" y="396147"/>
+            <a:ext cx="10323575" cy="830997"/>
+          </a:xfrm>
+          <a:prstGeom prst="rect">
+            <a:avLst/>
+          </a:prstGeom>
+          <a:noFill/>
+        </p:spPr>
+        <p:txBody>
+          <a:bodyPr wrap="square" lIns="91440" tIns="45720" rIns="91440" bIns="45720">
+            <a:spAutoFit/>
+          </a:bodyPr>
+          <a:lstStyle/>
+          <a:p>
+            <a:r>
+              <a:rPr lang="en-US" sz="4800" b="0" cap="none" spc="0" dirty="0">
+                <a:ln w="0"/>
+                <a:solidFill>
+                  <a:srgbClr val="00BCF2"/>
+                </a:solidFill>
+                <a:effectLst>
+                  <a:outerShdw blurRad="38100" dist="19050" dir="2700000" algn="tl" rotWithShape="0">
+                    <a:schemeClr val="dk1">
+                      <a:alpha val="40000"/>
+                    </a:schemeClr>
+                  </a:outerShdw>
+                </a:effectLst>
+              </a:rPr>
+              <a:t>Visual Studio Code Analysis</a:t>
+            </a:r>
+          </a:p>
+        </p:txBody>
+      </p:sp>
+      <p:sp>
+        <p:nvSpPr>
+          <p:cNvPr id="9" name="Rectangle 8"/>
+          <p:cNvSpPr/>
+          <p:nvPr/>
+        </p:nvSpPr>
+        <p:spPr>
+          <a:xfrm>
+            <a:off x="0" y="0"/>
+            <a:ext cx="182880" cy="6858000"/>
+          </a:xfrm>
+          <a:prstGeom prst="rect">
+            <a:avLst/>
+          </a:prstGeom>
+          <a:solidFill>
+            <a:srgbClr val="00BCF2"/>
+          </a:solidFill>
+          <a:ln>
+            <a:noFill/>
+          </a:ln>
+        </p:spPr>
+        <p:style>
+          <a:lnRef idx="2">
+            <a:schemeClr val="accent1">
+              <a:shade val="50000"/>
+            </a:schemeClr>
+          </a:lnRef>
+          <a:fillRef idx="1">
+            <a:schemeClr val="accent1"/>
+          </a:fillRef>
+          <a:effectRef idx="0">
+            <a:schemeClr val="accent1"/>
+          </a:effectRef>
+          <a:fontRef idx="minor">
+            <a:schemeClr val="lt1"/>
+          </a:fontRef>
+        </p:style>
+        <p:txBody>
+          <a:bodyPr rtlCol="0" anchor="ctr"/>
+          <a:lstStyle/>
+          <a:p>
+            <a:pPr algn="ctr"/>
+            <a:endParaRPr lang="en-US"/>
+          </a:p>
+        </p:txBody>
+      </p:sp>
+      <p:sp>
+        <p:nvSpPr>
+          <p:cNvPr id="8" name="Rectangle 7"/>
+          <p:cNvSpPr/>
+          <p:nvPr/>
+        </p:nvSpPr>
+        <p:spPr>
+          <a:xfrm>
+            <a:off x="832104" y="1797502"/>
+            <a:ext cx="10048059" cy="369332"/>
+          </a:xfrm>
+          <a:prstGeom prst="rect">
+            <a:avLst/>
+          </a:prstGeom>
+        </p:spPr>
+        <p:txBody>
+          <a:bodyPr wrap="square">
+            <a:spAutoFit/>
+          </a:bodyPr>
+          <a:lstStyle/>
+          <a:p>
+            <a:pPr>
+              <a:spcBef>
+                <a:spcPts val="1200"/>
+              </a:spcBef>
+            </a:pPr>
+            <a:r>
+              <a:rPr lang="en-US" dirty="0">
+                <a:solidFill>
+                  <a:srgbClr val="505050"/>
+                </a:solidFill>
+                <a:latin typeface="Segoe UI" panose="020B0502040204020203" pitchFamily="34" charset="0"/>
+              </a:rPr>
+              <a:t>Need to </a:t>
+            </a:r>
+            <a:r>
+              <a:rPr lang="en-US">
+                <a:solidFill>
+                  <a:srgbClr val="505050"/>
+                </a:solidFill>
+                <a:latin typeface="Segoe UI" panose="020B0502040204020203" pitchFamily="34" charset="0"/>
+              </a:rPr>
+              <a:t>write this </a:t>
+            </a:r>
+            <a:endParaRPr lang="en-US" dirty="0"/>
+          </a:p>
+        </p:txBody>
+      </p:sp>
+    </p:spTree>
+    <p:extLst>
+      <p:ext uri="{BB962C8B-B14F-4D97-AF65-F5344CB8AC3E}">
+        <p14:creationId xmlns:p14="http://schemas.microsoft.com/office/powerpoint/2010/main" val="1112162478"/>
       </p:ext>
     </p:extLst>
   </p:cSld>

--- a/Slides.pptx
+++ b/Slides.pptx
@@ -4,6 +4,9 @@
   <p:sldMasterIdLst>
     <p:sldMasterId id="2147483648" r:id="rId1"/>
   </p:sldMasterIdLst>
+  <p:notesMasterIdLst>
+    <p:notesMasterId r:id="rId13"/>
+  </p:notesMasterIdLst>
   <p:sldIdLst>
     <p:sldId id="257" r:id="rId2"/>
     <p:sldId id="258" r:id="rId3"/>
@@ -13,8 +16,8 @@
     <p:sldId id="272" r:id="rId7"/>
     <p:sldId id="277" r:id="rId8"/>
     <p:sldId id="259" r:id="rId9"/>
-    <p:sldId id="274" r:id="rId10"/>
-    <p:sldId id="275" r:id="rId11"/>
+    <p:sldId id="275" r:id="rId10"/>
+    <p:sldId id="274" r:id="rId11"/>
     <p:sldId id="271" r:id="rId12"/>
   </p:sldIdLst>
   <p:sldSz cx="12192000" cy="6858000"/>
@@ -122,6 +125,870 @@
 </p:presentation>
 </file>
 
+<file path=ppt/notesMasters/notesMaster1.xml><?xml version="1.0" encoding="utf-8"?>
+<p:notesMaster xmlns:a="http://schemas.openxmlformats.org/drawingml/2006/main" xmlns:r="http://schemas.openxmlformats.org/officeDocument/2006/relationships" xmlns:p="http://schemas.openxmlformats.org/presentationml/2006/main">
+  <p:cSld>
+    <p:bg>
+      <p:bgRef idx="1001">
+        <a:schemeClr val="bg1"/>
+      </p:bgRef>
+    </p:bg>
+    <p:spTree>
+      <p:nvGrpSpPr>
+        <p:cNvPr id="1" name=""/>
+        <p:cNvGrpSpPr/>
+        <p:nvPr/>
+      </p:nvGrpSpPr>
+      <p:grpSpPr>
+        <a:xfrm>
+          <a:off x="0" y="0"/>
+          <a:ext cx="0" cy="0"/>
+          <a:chOff x="0" y="0"/>
+          <a:chExt cx="0" cy="0"/>
+        </a:xfrm>
+      </p:grpSpPr>
+      <p:sp>
+        <p:nvSpPr>
+          <p:cNvPr id="2" name="Header Placeholder 1"/>
+          <p:cNvSpPr>
+            <a:spLocks noGrp="1"/>
+          </p:cNvSpPr>
+          <p:nvPr>
+            <p:ph type="hdr" sz="quarter"/>
+          </p:nvPr>
+        </p:nvSpPr>
+        <p:spPr>
+          <a:xfrm>
+            <a:off x="0" y="0"/>
+            <a:ext cx="2971800" cy="458788"/>
+          </a:xfrm>
+          <a:prstGeom prst="rect">
+            <a:avLst/>
+          </a:prstGeom>
+        </p:spPr>
+        <p:txBody>
+          <a:bodyPr vert="horz" lIns="91440" tIns="45720" rIns="91440" bIns="45720" rtlCol="0"/>
+          <a:lstStyle>
+            <a:lvl1pPr algn="l">
+              <a:defRPr sz="1200"/>
+            </a:lvl1pPr>
+          </a:lstStyle>
+          <a:p>
+            <a:endParaRPr lang="en-US"/>
+          </a:p>
+        </p:txBody>
+      </p:sp>
+      <p:sp>
+        <p:nvSpPr>
+          <p:cNvPr id="3" name="Date Placeholder 2"/>
+          <p:cNvSpPr>
+            <a:spLocks noGrp="1"/>
+          </p:cNvSpPr>
+          <p:nvPr>
+            <p:ph type="dt" idx="1"/>
+          </p:nvPr>
+        </p:nvSpPr>
+        <p:spPr>
+          <a:xfrm>
+            <a:off x="3884613" y="0"/>
+            <a:ext cx="2971800" cy="458788"/>
+          </a:xfrm>
+          <a:prstGeom prst="rect">
+            <a:avLst/>
+          </a:prstGeom>
+        </p:spPr>
+        <p:txBody>
+          <a:bodyPr vert="horz" lIns="91440" tIns="45720" rIns="91440" bIns="45720" rtlCol="0"/>
+          <a:lstStyle>
+            <a:lvl1pPr algn="r">
+              <a:defRPr sz="1200"/>
+            </a:lvl1pPr>
+          </a:lstStyle>
+          <a:p>
+            <a:fld id="{89EC5367-D7F6-45B2-A116-EA915C4B1310}" type="datetimeFigureOut">
+              <a:rPr lang="en-US" smtClean="0"/>
+              <a:t>1/6/2017</a:t>
+            </a:fld>
+            <a:endParaRPr lang="en-US"/>
+          </a:p>
+        </p:txBody>
+      </p:sp>
+      <p:sp>
+        <p:nvSpPr>
+          <p:cNvPr id="4" name="Slide Image Placeholder 3"/>
+          <p:cNvSpPr>
+            <a:spLocks noGrp="1" noRot="1" noChangeAspect="1"/>
+          </p:cNvSpPr>
+          <p:nvPr>
+            <p:ph type="sldImg" idx="2"/>
+          </p:nvPr>
+        </p:nvSpPr>
+        <p:spPr>
+          <a:xfrm>
+            <a:off x="685800" y="1143000"/>
+            <a:ext cx="5486400" cy="3086100"/>
+          </a:xfrm>
+          <a:prstGeom prst="rect">
+            <a:avLst/>
+          </a:prstGeom>
+          <a:noFill/>
+          <a:ln w="12700">
+            <a:solidFill>
+              <a:prstClr val="black"/>
+            </a:solidFill>
+          </a:ln>
+        </p:spPr>
+        <p:txBody>
+          <a:bodyPr vert="horz" lIns="91440" tIns="45720" rIns="91440" bIns="45720" rtlCol="0" anchor="ctr"/>
+          <a:lstStyle/>
+          <a:p>
+            <a:endParaRPr lang="en-US"/>
+          </a:p>
+        </p:txBody>
+      </p:sp>
+      <p:sp>
+        <p:nvSpPr>
+          <p:cNvPr id="5" name="Notes Placeholder 4"/>
+          <p:cNvSpPr>
+            <a:spLocks noGrp="1"/>
+          </p:cNvSpPr>
+          <p:nvPr>
+            <p:ph type="body" sz="quarter" idx="3"/>
+          </p:nvPr>
+        </p:nvSpPr>
+        <p:spPr>
+          <a:xfrm>
+            <a:off x="685800" y="4400550"/>
+            <a:ext cx="5486400" cy="3600450"/>
+          </a:xfrm>
+          <a:prstGeom prst="rect">
+            <a:avLst/>
+          </a:prstGeom>
+        </p:spPr>
+        <p:txBody>
+          <a:bodyPr vert="horz" lIns="91440" tIns="45720" rIns="91440" bIns="45720" rtlCol="0"/>
+          <a:lstStyle/>
+          <a:p>
+            <a:pPr lvl="0"/>
+            <a:r>
+              <a:rPr lang="en-US"/>
+              <a:t>Edit Master text styles</a:t>
+            </a:r>
+          </a:p>
+          <a:p>
+            <a:pPr lvl="1"/>
+            <a:r>
+              <a:rPr lang="en-US"/>
+              <a:t>Second level</a:t>
+            </a:r>
+          </a:p>
+          <a:p>
+            <a:pPr lvl="2"/>
+            <a:r>
+              <a:rPr lang="en-US"/>
+              <a:t>Third level</a:t>
+            </a:r>
+          </a:p>
+          <a:p>
+            <a:pPr lvl="3"/>
+            <a:r>
+              <a:rPr lang="en-US"/>
+              <a:t>Fourth level</a:t>
+            </a:r>
+          </a:p>
+          <a:p>
+            <a:pPr lvl="4"/>
+            <a:r>
+              <a:rPr lang="en-US"/>
+              <a:t>Fifth level</a:t>
+            </a:r>
+          </a:p>
+        </p:txBody>
+      </p:sp>
+      <p:sp>
+        <p:nvSpPr>
+          <p:cNvPr id="6" name="Footer Placeholder 5"/>
+          <p:cNvSpPr>
+            <a:spLocks noGrp="1"/>
+          </p:cNvSpPr>
+          <p:nvPr>
+            <p:ph type="ftr" sz="quarter" idx="4"/>
+          </p:nvPr>
+        </p:nvSpPr>
+        <p:spPr>
+          <a:xfrm>
+            <a:off x="0" y="8685213"/>
+            <a:ext cx="2971800" cy="458787"/>
+          </a:xfrm>
+          <a:prstGeom prst="rect">
+            <a:avLst/>
+          </a:prstGeom>
+        </p:spPr>
+        <p:txBody>
+          <a:bodyPr vert="horz" lIns="91440" tIns="45720" rIns="91440" bIns="45720" rtlCol="0" anchor="b"/>
+          <a:lstStyle>
+            <a:lvl1pPr algn="l">
+              <a:defRPr sz="1200"/>
+            </a:lvl1pPr>
+          </a:lstStyle>
+          <a:p>
+            <a:endParaRPr lang="en-US"/>
+          </a:p>
+        </p:txBody>
+      </p:sp>
+      <p:sp>
+        <p:nvSpPr>
+          <p:cNvPr id="7" name="Slide Number Placeholder 6"/>
+          <p:cNvSpPr>
+            <a:spLocks noGrp="1"/>
+          </p:cNvSpPr>
+          <p:nvPr>
+            <p:ph type="sldNum" sz="quarter" idx="5"/>
+          </p:nvPr>
+        </p:nvSpPr>
+        <p:spPr>
+          <a:xfrm>
+            <a:off x="3884613" y="8685213"/>
+            <a:ext cx="2971800" cy="458787"/>
+          </a:xfrm>
+          <a:prstGeom prst="rect">
+            <a:avLst/>
+          </a:prstGeom>
+        </p:spPr>
+        <p:txBody>
+          <a:bodyPr vert="horz" lIns="91440" tIns="45720" rIns="91440" bIns="45720" rtlCol="0" anchor="b"/>
+          <a:lstStyle>
+            <a:lvl1pPr algn="r">
+              <a:defRPr sz="1200"/>
+            </a:lvl1pPr>
+          </a:lstStyle>
+          <a:p>
+            <a:fld id="{7ECEF7E1-8BAB-469F-9B96-5370EF40D848}" type="slidenum">
+              <a:rPr lang="en-US" smtClean="0"/>
+              <a:t>‹#›</a:t>
+            </a:fld>
+            <a:endParaRPr lang="en-US"/>
+          </a:p>
+        </p:txBody>
+      </p:sp>
+    </p:spTree>
+    <p:extLst>
+      <p:ext uri="{BB962C8B-B14F-4D97-AF65-F5344CB8AC3E}">
+        <p14:creationId xmlns:p14="http://schemas.microsoft.com/office/powerpoint/2010/main" val="1645161372"/>
+      </p:ext>
+    </p:extLst>
+  </p:cSld>
+  <p:clrMap bg1="lt1" tx1="dk1" bg2="lt2" tx2="dk2" accent1="accent1" accent2="accent2" accent3="accent3" accent4="accent4" accent5="accent5" accent6="accent6" hlink="hlink" folHlink="folHlink"/>
+  <p:notesStyle>
+    <a:lvl1pPr marL="0" algn="l" defTabSz="914400" rtl="0" eaLnBrk="1" latinLnBrk="0" hangingPunct="1">
+      <a:defRPr sz="1200" kern="1200">
+        <a:solidFill>
+          <a:schemeClr val="tx1"/>
+        </a:solidFill>
+        <a:latin typeface="+mn-lt"/>
+        <a:ea typeface="+mn-ea"/>
+        <a:cs typeface="+mn-cs"/>
+      </a:defRPr>
+    </a:lvl1pPr>
+    <a:lvl2pPr marL="457200" algn="l" defTabSz="914400" rtl="0" eaLnBrk="1" latinLnBrk="0" hangingPunct="1">
+      <a:defRPr sz="1200" kern="1200">
+        <a:solidFill>
+          <a:schemeClr val="tx1"/>
+        </a:solidFill>
+        <a:latin typeface="+mn-lt"/>
+        <a:ea typeface="+mn-ea"/>
+        <a:cs typeface="+mn-cs"/>
+      </a:defRPr>
+    </a:lvl2pPr>
+    <a:lvl3pPr marL="914400" algn="l" defTabSz="914400" rtl="0" eaLnBrk="1" latinLnBrk="0" hangingPunct="1">
+      <a:defRPr sz="1200" kern="1200">
+        <a:solidFill>
+          <a:schemeClr val="tx1"/>
+        </a:solidFill>
+        <a:latin typeface="+mn-lt"/>
+        <a:ea typeface="+mn-ea"/>
+        <a:cs typeface="+mn-cs"/>
+      </a:defRPr>
+    </a:lvl3pPr>
+    <a:lvl4pPr marL="1371600" algn="l" defTabSz="914400" rtl="0" eaLnBrk="1" latinLnBrk="0" hangingPunct="1">
+      <a:defRPr sz="1200" kern="1200">
+        <a:solidFill>
+          <a:schemeClr val="tx1"/>
+        </a:solidFill>
+        <a:latin typeface="+mn-lt"/>
+        <a:ea typeface="+mn-ea"/>
+        <a:cs typeface="+mn-cs"/>
+      </a:defRPr>
+    </a:lvl4pPr>
+    <a:lvl5pPr marL="1828800" algn="l" defTabSz="914400" rtl="0" eaLnBrk="1" latinLnBrk="0" hangingPunct="1">
+      <a:defRPr sz="1200" kern="1200">
+        <a:solidFill>
+          <a:schemeClr val="tx1"/>
+        </a:solidFill>
+        <a:latin typeface="+mn-lt"/>
+        <a:ea typeface="+mn-ea"/>
+        <a:cs typeface="+mn-cs"/>
+      </a:defRPr>
+    </a:lvl5pPr>
+    <a:lvl6pPr marL="2286000" algn="l" defTabSz="914400" rtl="0" eaLnBrk="1" latinLnBrk="0" hangingPunct="1">
+      <a:defRPr sz="1200" kern="1200">
+        <a:solidFill>
+          <a:schemeClr val="tx1"/>
+        </a:solidFill>
+        <a:latin typeface="+mn-lt"/>
+        <a:ea typeface="+mn-ea"/>
+        <a:cs typeface="+mn-cs"/>
+      </a:defRPr>
+    </a:lvl6pPr>
+    <a:lvl7pPr marL="2743200" algn="l" defTabSz="914400" rtl="0" eaLnBrk="1" latinLnBrk="0" hangingPunct="1">
+      <a:defRPr sz="1200" kern="1200">
+        <a:solidFill>
+          <a:schemeClr val="tx1"/>
+        </a:solidFill>
+        <a:latin typeface="+mn-lt"/>
+        <a:ea typeface="+mn-ea"/>
+        <a:cs typeface="+mn-cs"/>
+      </a:defRPr>
+    </a:lvl7pPr>
+    <a:lvl8pPr marL="3200400" algn="l" defTabSz="914400" rtl="0" eaLnBrk="1" latinLnBrk="0" hangingPunct="1">
+      <a:defRPr sz="1200" kern="1200">
+        <a:solidFill>
+          <a:schemeClr val="tx1"/>
+        </a:solidFill>
+        <a:latin typeface="+mn-lt"/>
+        <a:ea typeface="+mn-ea"/>
+        <a:cs typeface="+mn-cs"/>
+      </a:defRPr>
+    </a:lvl8pPr>
+    <a:lvl9pPr marL="3657600" algn="l" defTabSz="914400" rtl="0" eaLnBrk="1" latinLnBrk="0" hangingPunct="1">
+      <a:defRPr sz="1200" kern="1200">
+        <a:solidFill>
+          <a:schemeClr val="tx1"/>
+        </a:solidFill>
+        <a:latin typeface="+mn-lt"/>
+        <a:ea typeface="+mn-ea"/>
+        <a:cs typeface="+mn-cs"/>
+      </a:defRPr>
+    </a:lvl9pPr>
+  </p:notesStyle>
+</p:notesMaster>
+</file>
+
+<file path=ppt/notesSlides/notesSlide1.xml><?xml version="1.0" encoding="utf-8"?>
+<p:notes xmlns:a="http://schemas.openxmlformats.org/drawingml/2006/main" xmlns:r="http://schemas.openxmlformats.org/officeDocument/2006/relationships" xmlns:p="http://schemas.openxmlformats.org/presentationml/2006/main">
+  <p:cSld>
+    <p:spTree>
+      <p:nvGrpSpPr>
+        <p:cNvPr id="1" name=""/>
+        <p:cNvGrpSpPr/>
+        <p:nvPr/>
+      </p:nvGrpSpPr>
+      <p:grpSpPr>
+        <a:xfrm>
+          <a:off x="0" y="0"/>
+          <a:ext cx="0" cy="0"/>
+          <a:chOff x="0" y="0"/>
+          <a:chExt cx="0" cy="0"/>
+        </a:xfrm>
+      </p:grpSpPr>
+      <p:sp>
+        <p:nvSpPr>
+          <p:cNvPr id="2" name="Slide Image Placeholder 1"/>
+          <p:cNvSpPr>
+            <a:spLocks noGrp="1" noRot="1" noChangeAspect="1"/>
+          </p:cNvSpPr>
+          <p:nvPr>
+            <p:ph type="sldImg"/>
+          </p:nvPr>
+        </p:nvSpPr>
+        <p:spPr/>
+      </p:sp>
+      <p:sp>
+        <p:nvSpPr>
+          <p:cNvPr id="3" name="Notes Placeholder 2"/>
+          <p:cNvSpPr>
+            <a:spLocks noGrp="1"/>
+          </p:cNvSpPr>
+          <p:nvPr>
+            <p:ph type="body" idx="1"/>
+          </p:nvPr>
+        </p:nvSpPr>
+        <p:spPr/>
+        <p:txBody>
+          <a:bodyPr/>
+          <a:lstStyle/>
+          <a:p>
+            <a:r>
+              <a:rPr lang="en-US" dirty="0"/>
+              <a:t>Demo: Use </a:t>
+            </a:r>
+            <a:r>
+              <a:rPr lang="en-US" dirty="0" err="1"/>
+              <a:t>ApplicationInsightMVC</a:t>
+            </a:r>
+            <a:r>
+              <a:rPr lang="en-US" dirty="0"/>
+              <a:t> project that has </a:t>
+            </a:r>
+            <a:r>
+              <a:rPr lang="en-US" dirty="0" err="1"/>
+              <a:t>ApplicationInsight</a:t>
+            </a:r>
+            <a:r>
+              <a:rPr lang="en-US" dirty="0"/>
+              <a:t> pre-configured.</a:t>
+            </a:r>
+          </a:p>
+          <a:p>
+            <a:r>
+              <a:rPr lang="en-US" dirty="0"/>
+              <a:t>Need to work on this project.</a:t>
+            </a:r>
+          </a:p>
+        </p:txBody>
+      </p:sp>
+      <p:sp>
+        <p:nvSpPr>
+          <p:cNvPr id="4" name="Slide Number Placeholder 3"/>
+          <p:cNvSpPr>
+            <a:spLocks noGrp="1"/>
+          </p:cNvSpPr>
+          <p:nvPr>
+            <p:ph type="sldNum" sz="quarter" idx="10"/>
+          </p:nvPr>
+        </p:nvSpPr>
+        <p:spPr/>
+        <p:txBody>
+          <a:bodyPr/>
+          <a:lstStyle/>
+          <a:p>
+            <a:fld id="{7ECEF7E1-8BAB-469F-9B96-5370EF40D848}" type="slidenum">
+              <a:rPr lang="en-US" smtClean="0"/>
+              <a:t>4</a:t>
+            </a:fld>
+            <a:endParaRPr lang="en-US"/>
+          </a:p>
+        </p:txBody>
+      </p:sp>
+    </p:spTree>
+    <p:extLst>
+      <p:ext uri="{BB962C8B-B14F-4D97-AF65-F5344CB8AC3E}">
+        <p14:creationId xmlns:p14="http://schemas.microsoft.com/office/powerpoint/2010/main" val="2462061452"/>
+      </p:ext>
+    </p:extLst>
+  </p:cSld>
+  <p:clrMapOvr>
+    <a:masterClrMapping/>
+  </p:clrMapOvr>
+</p:notes>
+</file>
+
+<file path=ppt/notesSlides/notesSlide2.xml><?xml version="1.0" encoding="utf-8"?>
+<p:notes xmlns:a="http://schemas.openxmlformats.org/drawingml/2006/main" xmlns:r="http://schemas.openxmlformats.org/officeDocument/2006/relationships" xmlns:p="http://schemas.openxmlformats.org/presentationml/2006/main">
+  <p:cSld>
+    <p:spTree>
+      <p:nvGrpSpPr>
+        <p:cNvPr id="1" name=""/>
+        <p:cNvGrpSpPr/>
+        <p:nvPr/>
+      </p:nvGrpSpPr>
+      <p:grpSpPr>
+        <a:xfrm>
+          <a:off x="0" y="0"/>
+          <a:ext cx="0" cy="0"/>
+          <a:chOff x="0" y="0"/>
+          <a:chExt cx="0" cy="0"/>
+        </a:xfrm>
+      </p:grpSpPr>
+      <p:sp>
+        <p:nvSpPr>
+          <p:cNvPr id="2" name="Slide Image Placeholder 1"/>
+          <p:cNvSpPr>
+            <a:spLocks noGrp="1" noRot="1" noChangeAspect="1"/>
+          </p:cNvSpPr>
+          <p:nvPr>
+            <p:ph type="sldImg"/>
+          </p:nvPr>
+        </p:nvSpPr>
+        <p:spPr/>
+      </p:sp>
+      <p:sp>
+        <p:nvSpPr>
+          <p:cNvPr id="3" name="Notes Placeholder 2"/>
+          <p:cNvSpPr>
+            <a:spLocks noGrp="1"/>
+          </p:cNvSpPr>
+          <p:nvPr>
+            <p:ph type="body" idx="1"/>
+          </p:nvPr>
+        </p:nvSpPr>
+        <p:spPr/>
+        <p:txBody>
+          <a:bodyPr/>
+          <a:lstStyle/>
+          <a:p>
+            <a:pPr marL="0" marR="0" lvl="0" indent="0" algn="l" defTabSz="914400" rtl="0" eaLnBrk="1" fontAlgn="auto" latinLnBrk="0" hangingPunct="1">
+              <a:lnSpc>
+                <a:spcPct val="100000"/>
+              </a:lnSpc>
+              <a:spcBef>
+                <a:spcPts val="0"/>
+              </a:spcBef>
+              <a:spcAft>
+                <a:spcPts val="0"/>
+              </a:spcAft>
+              <a:buClrTx/>
+              <a:buSzTx/>
+              <a:buFontTx/>
+              <a:buNone/>
+              <a:tabLst/>
+              <a:defRPr/>
+            </a:pPr>
+            <a:r>
+              <a:rPr lang="en-US" dirty="0"/>
+              <a:t>Demo: Need to create demo project for this.</a:t>
+            </a:r>
+          </a:p>
+        </p:txBody>
+      </p:sp>
+      <p:sp>
+        <p:nvSpPr>
+          <p:cNvPr id="4" name="Slide Number Placeholder 3"/>
+          <p:cNvSpPr>
+            <a:spLocks noGrp="1"/>
+          </p:cNvSpPr>
+          <p:nvPr>
+            <p:ph type="sldNum" sz="quarter" idx="10"/>
+          </p:nvPr>
+        </p:nvSpPr>
+        <p:spPr/>
+        <p:txBody>
+          <a:bodyPr/>
+          <a:lstStyle/>
+          <a:p>
+            <a:fld id="{7ECEF7E1-8BAB-469F-9B96-5370EF40D848}" type="slidenum">
+              <a:rPr lang="en-US" smtClean="0"/>
+              <a:t>5</a:t>
+            </a:fld>
+            <a:endParaRPr lang="en-US"/>
+          </a:p>
+        </p:txBody>
+      </p:sp>
+    </p:spTree>
+    <p:extLst>
+      <p:ext uri="{BB962C8B-B14F-4D97-AF65-F5344CB8AC3E}">
+        <p14:creationId xmlns:p14="http://schemas.microsoft.com/office/powerpoint/2010/main" val="3743340972"/>
+      </p:ext>
+    </p:extLst>
+  </p:cSld>
+  <p:clrMapOvr>
+    <a:masterClrMapping/>
+  </p:clrMapOvr>
+</p:notes>
+</file>
+
+<file path=ppt/notesSlides/notesSlide3.xml><?xml version="1.0" encoding="utf-8"?>
+<p:notes xmlns:a="http://schemas.openxmlformats.org/drawingml/2006/main" xmlns:r="http://schemas.openxmlformats.org/officeDocument/2006/relationships" xmlns:p="http://schemas.openxmlformats.org/presentationml/2006/main">
+  <p:cSld>
+    <p:spTree>
+      <p:nvGrpSpPr>
+        <p:cNvPr id="1" name=""/>
+        <p:cNvGrpSpPr/>
+        <p:nvPr/>
+      </p:nvGrpSpPr>
+      <p:grpSpPr>
+        <a:xfrm>
+          <a:off x="0" y="0"/>
+          <a:ext cx="0" cy="0"/>
+          <a:chOff x="0" y="0"/>
+          <a:chExt cx="0" cy="0"/>
+        </a:xfrm>
+      </p:grpSpPr>
+      <p:sp>
+        <p:nvSpPr>
+          <p:cNvPr id="2" name="Slide Image Placeholder 1"/>
+          <p:cNvSpPr>
+            <a:spLocks noGrp="1" noRot="1" noChangeAspect="1"/>
+          </p:cNvSpPr>
+          <p:nvPr>
+            <p:ph type="sldImg"/>
+          </p:nvPr>
+        </p:nvSpPr>
+        <p:spPr/>
+      </p:sp>
+      <p:sp>
+        <p:nvSpPr>
+          <p:cNvPr id="3" name="Notes Placeholder 2"/>
+          <p:cNvSpPr>
+            <a:spLocks noGrp="1"/>
+          </p:cNvSpPr>
+          <p:nvPr>
+            <p:ph type="body" idx="1"/>
+          </p:nvPr>
+        </p:nvSpPr>
+        <p:spPr/>
+        <p:txBody>
+          <a:bodyPr/>
+          <a:lstStyle/>
+          <a:p>
+            <a:pPr marL="0" marR="0" lvl="0" indent="0" algn="l" defTabSz="914400" rtl="0" eaLnBrk="1" fontAlgn="auto" latinLnBrk="0" hangingPunct="1">
+              <a:lnSpc>
+                <a:spcPct val="100000"/>
+              </a:lnSpc>
+              <a:spcBef>
+                <a:spcPts val="0"/>
+              </a:spcBef>
+              <a:spcAft>
+                <a:spcPts val="0"/>
+              </a:spcAft>
+              <a:buClrTx/>
+              <a:buSzTx/>
+              <a:buFontTx/>
+              <a:buNone/>
+              <a:tabLst/>
+              <a:defRPr/>
+            </a:pPr>
+            <a:r>
+              <a:rPr lang="en-US" sz="1200" dirty="0"/>
+              <a:t>Demo: Use </a:t>
+            </a:r>
+            <a:r>
+              <a:rPr lang="en-US" sz="1200" dirty="0" err="1"/>
+              <a:t>WhiteSpaceRemoval</a:t>
+            </a:r>
+            <a:r>
+              <a:rPr lang="en-US" sz="1200" dirty="0"/>
+              <a:t> Project having publish profiles in debug and release.</a:t>
+            </a:r>
+          </a:p>
+        </p:txBody>
+      </p:sp>
+      <p:sp>
+        <p:nvSpPr>
+          <p:cNvPr id="4" name="Slide Number Placeholder 3"/>
+          <p:cNvSpPr>
+            <a:spLocks noGrp="1"/>
+          </p:cNvSpPr>
+          <p:nvPr>
+            <p:ph type="sldNum" sz="quarter" idx="10"/>
+          </p:nvPr>
+        </p:nvSpPr>
+        <p:spPr/>
+        <p:txBody>
+          <a:bodyPr/>
+          <a:lstStyle/>
+          <a:p>
+            <a:fld id="{7ECEF7E1-8BAB-469F-9B96-5370EF40D848}" type="slidenum">
+              <a:rPr lang="en-US" smtClean="0"/>
+              <a:t>7</a:t>
+            </a:fld>
+            <a:endParaRPr lang="en-US"/>
+          </a:p>
+        </p:txBody>
+      </p:sp>
+    </p:spTree>
+    <p:extLst>
+      <p:ext uri="{BB962C8B-B14F-4D97-AF65-F5344CB8AC3E}">
+        <p14:creationId xmlns:p14="http://schemas.microsoft.com/office/powerpoint/2010/main" val="4241183378"/>
+      </p:ext>
+    </p:extLst>
+  </p:cSld>
+  <p:clrMapOvr>
+    <a:masterClrMapping/>
+  </p:clrMapOvr>
+</p:notes>
+</file>
+
+<file path=ppt/notesSlides/notesSlide4.xml><?xml version="1.0" encoding="utf-8"?>
+<p:notes xmlns:a="http://schemas.openxmlformats.org/drawingml/2006/main" xmlns:r="http://schemas.openxmlformats.org/officeDocument/2006/relationships" xmlns:p="http://schemas.openxmlformats.org/presentationml/2006/main">
+  <p:cSld>
+    <p:spTree>
+      <p:nvGrpSpPr>
+        <p:cNvPr id="1" name=""/>
+        <p:cNvGrpSpPr/>
+        <p:nvPr/>
+      </p:nvGrpSpPr>
+      <p:grpSpPr>
+        <a:xfrm>
+          <a:off x="0" y="0"/>
+          <a:ext cx="0" cy="0"/>
+          <a:chOff x="0" y="0"/>
+          <a:chExt cx="0" cy="0"/>
+        </a:xfrm>
+      </p:grpSpPr>
+      <p:sp>
+        <p:nvSpPr>
+          <p:cNvPr id="2" name="Slide Image Placeholder 1"/>
+          <p:cNvSpPr>
+            <a:spLocks noGrp="1" noRot="1" noChangeAspect="1"/>
+          </p:cNvSpPr>
+          <p:nvPr>
+            <p:ph type="sldImg"/>
+          </p:nvPr>
+        </p:nvSpPr>
+        <p:spPr/>
+      </p:sp>
+      <p:sp>
+        <p:nvSpPr>
+          <p:cNvPr id="3" name="Notes Placeholder 2"/>
+          <p:cNvSpPr>
+            <a:spLocks noGrp="1"/>
+          </p:cNvSpPr>
+          <p:nvPr>
+            <p:ph type="body" idx="1"/>
+          </p:nvPr>
+        </p:nvSpPr>
+        <p:spPr/>
+        <p:txBody>
+          <a:bodyPr/>
+          <a:lstStyle/>
+          <a:p>
+            <a:r>
+              <a:rPr lang="en-US" dirty="0"/>
+              <a:t>Demo: Use </a:t>
+            </a:r>
+            <a:r>
+              <a:rPr lang="en-US" dirty="0" err="1"/>
+              <a:t>WhiteSpaceRemoval</a:t>
+            </a:r>
+            <a:r>
+              <a:rPr lang="en-US" dirty="0"/>
+              <a:t> project.</a:t>
+            </a:r>
+          </a:p>
+        </p:txBody>
+      </p:sp>
+      <p:sp>
+        <p:nvSpPr>
+          <p:cNvPr id="4" name="Slide Number Placeholder 3"/>
+          <p:cNvSpPr>
+            <a:spLocks noGrp="1"/>
+          </p:cNvSpPr>
+          <p:nvPr>
+            <p:ph type="sldNum" sz="quarter" idx="10"/>
+          </p:nvPr>
+        </p:nvSpPr>
+        <p:spPr/>
+        <p:txBody>
+          <a:bodyPr/>
+          <a:lstStyle/>
+          <a:p>
+            <a:fld id="{7ECEF7E1-8BAB-469F-9B96-5370EF40D848}" type="slidenum">
+              <a:rPr lang="en-US" smtClean="0"/>
+              <a:t>8</a:t>
+            </a:fld>
+            <a:endParaRPr lang="en-US"/>
+          </a:p>
+        </p:txBody>
+      </p:sp>
+    </p:spTree>
+    <p:extLst>
+      <p:ext uri="{BB962C8B-B14F-4D97-AF65-F5344CB8AC3E}">
+        <p14:creationId xmlns:p14="http://schemas.microsoft.com/office/powerpoint/2010/main" val="3147270713"/>
+      </p:ext>
+    </p:extLst>
+  </p:cSld>
+  <p:clrMapOvr>
+    <a:masterClrMapping/>
+  </p:clrMapOvr>
+</p:notes>
+</file>
+
+<file path=ppt/notesSlides/notesSlide5.xml><?xml version="1.0" encoding="utf-8"?>
+<p:notes xmlns:a="http://schemas.openxmlformats.org/drawingml/2006/main" xmlns:r="http://schemas.openxmlformats.org/officeDocument/2006/relationships" xmlns:p="http://schemas.openxmlformats.org/presentationml/2006/main">
+  <p:cSld>
+    <p:spTree>
+      <p:nvGrpSpPr>
+        <p:cNvPr id="1" name=""/>
+        <p:cNvGrpSpPr/>
+        <p:nvPr/>
+      </p:nvGrpSpPr>
+      <p:grpSpPr>
+        <a:xfrm>
+          <a:off x="0" y="0"/>
+          <a:ext cx="0" cy="0"/>
+          <a:chOff x="0" y="0"/>
+          <a:chExt cx="0" cy="0"/>
+        </a:xfrm>
+      </p:grpSpPr>
+      <p:sp>
+        <p:nvSpPr>
+          <p:cNvPr id="2" name="Slide Image Placeholder 1"/>
+          <p:cNvSpPr>
+            <a:spLocks noGrp="1" noRot="1" noChangeAspect="1"/>
+          </p:cNvSpPr>
+          <p:nvPr>
+            <p:ph type="sldImg"/>
+          </p:nvPr>
+        </p:nvSpPr>
+        <p:spPr/>
+      </p:sp>
+      <p:sp>
+        <p:nvSpPr>
+          <p:cNvPr id="3" name="Notes Placeholder 2"/>
+          <p:cNvSpPr>
+            <a:spLocks noGrp="1"/>
+          </p:cNvSpPr>
+          <p:nvPr>
+            <p:ph type="body" idx="1"/>
+          </p:nvPr>
+        </p:nvSpPr>
+        <p:spPr/>
+        <p:txBody>
+          <a:bodyPr/>
+          <a:lstStyle/>
+          <a:p>
+            <a:r>
+              <a:rPr lang="en-US" dirty="0"/>
+              <a:t>Demo: Use </a:t>
+            </a:r>
+            <a:r>
+              <a:rPr lang="en-US" dirty="0" err="1"/>
+              <a:t>SlugInMVCApplication</a:t>
+            </a:r>
+            <a:r>
+              <a:rPr lang="en-US" dirty="0"/>
+              <a:t> project.</a:t>
+            </a:r>
+          </a:p>
+        </p:txBody>
+      </p:sp>
+      <p:sp>
+        <p:nvSpPr>
+          <p:cNvPr id="4" name="Slide Number Placeholder 3"/>
+          <p:cNvSpPr>
+            <a:spLocks noGrp="1"/>
+          </p:cNvSpPr>
+          <p:nvPr>
+            <p:ph type="sldNum" sz="quarter" idx="10"/>
+          </p:nvPr>
+        </p:nvSpPr>
+        <p:spPr/>
+        <p:txBody>
+          <a:bodyPr/>
+          <a:lstStyle/>
+          <a:p>
+            <a:fld id="{7ECEF7E1-8BAB-469F-9B96-5370EF40D848}" type="slidenum">
+              <a:rPr lang="en-US" smtClean="0"/>
+              <a:t>9</a:t>
+            </a:fld>
+            <a:endParaRPr lang="en-US"/>
+          </a:p>
+        </p:txBody>
+      </p:sp>
+    </p:spTree>
+    <p:extLst>
+      <p:ext uri="{BB962C8B-B14F-4D97-AF65-F5344CB8AC3E}">
+        <p14:creationId xmlns:p14="http://schemas.microsoft.com/office/powerpoint/2010/main" val="808035973"/>
+      </p:ext>
+    </p:extLst>
+  </p:cSld>
+  <p:clrMapOvr>
+    <a:masterClrMapping/>
+  </p:clrMapOvr>
+</p:notes>
+</file>
+
 <file path=ppt/slideLayouts/slideLayout1.xml><?xml version="1.0" encoding="utf-8"?>
 <p:sldLayout xmlns:a="http://schemas.openxmlformats.org/drawingml/2006/main" xmlns:r="http://schemas.openxmlformats.org/officeDocument/2006/relationships" xmlns:p="http://schemas.openxmlformats.org/presentationml/2006/main" type="title" preserve="1">
   <p:cSld name="Title Slide">
@@ -251,7 +1118,7 @@
           <a:p>
             <a:fld id="{C0F3BAF6-6DB2-4A07-AEEA-A0824374C276}" type="datetimeFigureOut">
               <a:rPr lang="en-US" smtClean="0"/>
-              <a:t>12/26/2016</a:t>
+              <a:t>1/6/2017</a:t>
             </a:fld>
             <a:endParaRPr lang="en-US"/>
           </a:p>
@@ -419,7 +1286,7 @@
           <a:p>
             <a:fld id="{C0F3BAF6-6DB2-4A07-AEEA-A0824374C276}" type="datetimeFigureOut">
               <a:rPr lang="en-US" smtClean="0"/>
-              <a:t>12/26/2016</a:t>
+              <a:t>1/6/2017</a:t>
             </a:fld>
             <a:endParaRPr lang="en-US"/>
           </a:p>
@@ -597,7 +1464,7 @@
           <a:p>
             <a:fld id="{C0F3BAF6-6DB2-4A07-AEEA-A0824374C276}" type="datetimeFigureOut">
               <a:rPr lang="en-US" smtClean="0"/>
-              <a:t>12/26/2016</a:t>
+              <a:t>1/6/2017</a:t>
             </a:fld>
             <a:endParaRPr lang="en-US"/>
           </a:p>
@@ -765,7 +1632,7 @@
           <a:p>
             <a:fld id="{C0F3BAF6-6DB2-4A07-AEEA-A0824374C276}" type="datetimeFigureOut">
               <a:rPr lang="en-US" smtClean="0"/>
-              <a:t>12/26/2016</a:t>
+              <a:t>1/6/2017</a:t>
             </a:fld>
             <a:endParaRPr lang="en-US"/>
           </a:p>
@@ -1010,7 +1877,7 @@
           <a:p>
             <a:fld id="{C0F3BAF6-6DB2-4A07-AEEA-A0824374C276}" type="datetimeFigureOut">
               <a:rPr lang="en-US" smtClean="0"/>
-              <a:t>12/26/2016</a:t>
+              <a:t>1/6/2017</a:t>
             </a:fld>
             <a:endParaRPr lang="en-US"/>
           </a:p>
@@ -1239,7 +2106,7 @@
           <a:p>
             <a:fld id="{C0F3BAF6-6DB2-4A07-AEEA-A0824374C276}" type="datetimeFigureOut">
               <a:rPr lang="en-US" smtClean="0"/>
-              <a:t>12/26/2016</a:t>
+              <a:t>1/6/2017</a:t>
             </a:fld>
             <a:endParaRPr lang="en-US"/>
           </a:p>
@@ -1603,7 +2470,7 @@
           <a:p>
             <a:fld id="{C0F3BAF6-6DB2-4A07-AEEA-A0824374C276}" type="datetimeFigureOut">
               <a:rPr lang="en-US" smtClean="0"/>
-              <a:t>12/26/2016</a:t>
+              <a:t>1/6/2017</a:t>
             </a:fld>
             <a:endParaRPr lang="en-US"/>
           </a:p>
@@ -1720,7 +2587,7 @@
           <a:p>
             <a:fld id="{C0F3BAF6-6DB2-4A07-AEEA-A0824374C276}" type="datetimeFigureOut">
               <a:rPr lang="en-US" smtClean="0"/>
-              <a:t>12/26/2016</a:t>
+              <a:t>1/6/2017</a:t>
             </a:fld>
             <a:endParaRPr lang="en-US"/>
           </a:p>
@@ -1815,7 +2682,7 @@
           <a:p>
             <a:fld id="{C0F3BAF6-6DB2-4A07-AEEA-A0824374C276}" type="datetimeFigureOut">
               <a:rPr lang="en-US" smtClean="0"/>
-              <a:t>12/26/2016</a:t>
+              <a:t>1/6/2017</a:t>
             </a:fld>
             <a:endParaRPr lang="en-US"/>
           </a:p>
@@ -2090,7 +2957,7 @@
           <a:p>
             <a:fld id="{C0F3BAF6-6DB2-4A07-AEEA-A0824374C276}" type="datetimeFigureOut">
               <a:rPr lang="en-US" smtClean="0"/>
-              <a:t>12/26/2016</a:t>
+              <a:t>1/6/2017</a:t>
             </a:fld>
             <a:endParaRPr lang="en-US"/>
           </a:p>
@@ -2342,7 +3209,7 @@
           <a:p>
             <a:fld id="{C0F3BAF6-6DB2-4A07-AEEA-A0824374C276}" type="datetimeFigureOut">
               <a:rPr lang="en-US" smtClean="0"/>
-              <a:t>12/26/2016</a:t>
+              <a:t>1/6/2017</a:t>
             </a:fld>
             <a:endParaRPr lang="en-US"/>
           </a:p>
@@ -2553,7 +3420,7 @@
           <a:p>
             <a:fld id="{C0F3BAF6-6DB2-4A07-AEEA-A0824374C276}" type="datetimeFigureOut">
               <a:rPr lang="en-US" smtClean="0"/>
-              <a:t>12/26/2016</a:t>
+              <a:t>1/6/2017</a:t>
             </a:fld>
             <a:endParaRPr lang="en-US"/>
           </a:p>
@@ -3277,7 +4144,7 @@
                   </a:outerShdw>
                 </a:effectLst>
               </a:rPr>
-              <a:t>Slug based URL in MVC - SEO</a:t>
+              <a:t>Visual Studio Code Analysis</a:t>
             </a:r>
           </a:p>
         </p:txBody>
@@ -3376,38 +4243,10 @@
           </a:p>
         </p:txBody>
       </p:sp>
-      <p:sp>
-        <p:nvSpPr>
-          <p:cNvPr id="2" name="Rectangle 1"/>
-          <p:cNvSpPr/>
-          <p:nvPr/>
-        </p:nvSpPr>
-        <p:spPr>
-          <a:xfrm>
-            <a:off x="832104" y="2656090"/>
-            <a:ext cx="4841454" cy="369332"/>
-          </a:xfrm>
-          <a:prstGeom prst="rect">
-            <a:avLst/>
-          </a:prstGeom>
-        </p:spPr>
-        <p:txBody>
-          <a:bodyPr wrap="none">
-            <a:spAutoFit/>
-          </a:bodyPr>
-          <a:lstStyle/>
-          <a:p>
-            <a:r>
-              <a:rPr lang="en-US" dirty="0"/>
-              <a:t>https://github.com/itorian/SlugInMVCApplication</a:t>
-            </a:r>
-          </a:p>
-        </p:txBody>
-      </p:sp>
     </p:spTree>
     <p:extLst>
       <p:ext uri="{BB962C8B-B14F-4D97-AF65-F5344CB8AC3E}">
-        <p14:creationId xmlns:p14="http://schemas.microsoft.com/office/powerpoint/2010/main" val="3705442125"/>
+        <p14:creationId xmlns:p14="http://schemas.microsoft.com/office/powerpoint/2010/main" val="1112162478"/>
       </p:ext>
     </p:extLst>
   </p:cSld>
@@ -3614,7 +4453,7 @@
         <p:spPr>
           <a:xfrm>
             <a:off x="1263903" y="1645103"/>
-            <a:ext cx="9073897" cy="2954655"/>
+            <a:ext cx="9073897" cy="3385542"/>
           </a:xfrm>
           <a:prstGeom prst="rect">
             <a:avLst/>
@@ -3658,7 +4497,7 @@
                 </a:solidFill>
                 <a:latin typeface="Segoe UI" panose="020B0502040204020203" pitchFamily="34" charset="0"/>
               </a:rPr>
-              <a:t>Using CDN for static content</a:t>
+              <a:t>Using CDN after Bundling and Minification</a:t>
             </a:r>
           </a:p>
           <a:p>
@@ -3712,7 +4551,7 @@
                 </a:solidFill>
                 <a:latin typeface="Segoe UI" panose="020B0502040204020203" pitchFamily="34" charset="0"/>
               </a:rPr>
-              <a:t>White space removal from rendered HTML in MVC</a:t>
+              <a:t>Removing white space from rendered HTML in MVC</a:t>
             </a:r>
           </a:p>
           <a:p>
@@ -3730,7 +4569,25 @@
                 </a:solidFill>
                 <a:latin typeface="Segoe UI" panose="020B0502040204020203" pitchFamily="34" charset="0"/>
               </a:rPr>
-              <a:t>Visual Studio Spell Checker</a:t>
+              <a:t>Slug is great for SEO, Stack-Overflow way</a:t>
+            </a:r>
+          </a:p>
+          <a:p>
+            <a:pPr marL="285750" indent="-285750">
+              <a:spcBef>
+                <a:spcPts val="1200"/>
+              </a:spcBef>
+              <a:buFont typeface="Wingdings" panose="05000000000000000000" pitchFamily="2" charset="2"/>
+              <a:buChar char="Ø"/>
+            </a:pPr>
+            <a:r>
+              <a:rPr lang="en-US" dirty="0">
+                <a:solidFill>
+                  <a:srgbClr val="505050"/>
+                </a:solidFill>
+                <a:latin typeface="Segoe UI" panose="020B0502040204020203" pitchFamily="34" charset="0"/>
+              </a:rPr>
+              <a:t>Visual Studio Code Analysis</a:t>
             </a:r>
           </a:p>
           <a:p>
@@ -3822,7 +4679,7 @@
         </p:blipFill>
         <p:spPr bwMode="auto">
           <a:xfrm>
-            <a:off x="7112000" y="1645103"/>
+            <a:off x="8206104" y="1645103"/>
             <a:ext cx="2949575" cy="3038062"/>
           </a:xfrm>
           <a:prstGeom prst="rect">
@@ -3941,7 +4798,6 @@
               <a:rPr lang="en-US" sz="3600" dirty="0"/>
               <a:t>Before deploying your app on production or pre-production we should always look at every possible way to improve performance. This session will be all about improving performance in the code, on server and i will share all the hard lessons that I learned so far.</a:t>
             </a:r>
-            <a:endParaRPr lang="en-US" sz="3600" dirty="0"/>
           </a:p>
         </p:txBody>
       </p:sp>
@@ -4114,7 +4970,7 @@
         <p:spPr>
           <a:xfrm>
             <a:off x="832104" y="396147"/>
-            <a:ext cx="10323575" cy="830997"/>
+            <a:ext cx="10711429" cy="830997"/>
           </a:xfrm>
           <a:prstGeom prst="rect">
             <a:avLst/>
@@ -4141,7 +4997,7 @@
                   </a:outerShdw>
                 </a:effectLst>
               </a:rPr>
-              <a:t>Using CDN</a:t>
+              <a:t>Using CDN after Bundling and Minification</a:t>
             </a:r>
             <a:endParaRPr lang="en-US" sz="4800" b="0" cap="none" spc="0" dirty="0">
               <a:ln w="0"/>
@@ -4250,11 +5106,7 @@
           <a:p>
             <a:r>
               <a:rPr lang="en-US" sz="2000" dirty="0"/>
-              <a:t>    - </a:t>
-            </a:r>
-            <a:r>
-              <a:rPr lang="en-US" sz="2000" dirty="0"/>
-              <a:t>C# Corner website uses CDN</a:t>
+              <a:t>    - C# Corner website uses CDN</a:t>
             </a:r>
           </a:p>
           <a:p>
@@ -4262,7 +5114,6 @@
               <a:rPr lang="en-US" sz="2000" dirty="0"/>
               <a:t>    - Stack-Overflow uses CDN</a:t>
             </a:r>
-            <a:endParaRPr lang="en-US" sz="2000" dirty="0"/>
           </a:p>
         </p:txBody>
       </p:sp>
@@ -4710,7 +5561,6 @@
               <a:rPr lang="en-US" sz="2800" dirty="0"/>
               <a:t>In Release Mode your DLL lack of debug information makes it smaller and probably performs better due to its smaller footprint.</a:t>
             </a:r>
-            <a:endParaRPr lang="en-US" sz="2800" dirty="0"/>
           </a:p>
         </p:txBody>
       </p:sp>
@@ -4853,7 +5703,7 @@
         <p:spPr>
           <a:xfrm>
             <a:off x="955220" y="2239171"/>
-            <a:ext cx="10390329" cy="3200876"/>
+            <a:ext cx="10390329" cy="4062651"/>
           </a:xfrm>
           <a:prstGeom prst="rect">
             <a:avLst/>
@@ -4941,38 +5791,33 @@
               <a:t>The only real solution to minify HTML while reducing CPU and bandwidth usage, is to rewrite the pages manually to remove all the useless blank characters.</a:t>
             </a:r>
           </a:p>
-        </p:txBody>
-      </p:sp>
-      <p:sp>
-        <p:nvSpPr>
-          <p:cNvPr id="3" name="Rectangle 2"/>
-          <p:cNvSpPr/>
-          <p:nvPr/>
-        </p:nvSpPr>
-        <p:spPr>
-          <a:xfrm rot="16200000">
-            <a:off x="-1028695" y="5173702"/>
-            <a:ext cx="2826158" cy="369332"/>
-          </a:xfrm>
-          <a:prstGeom prst="rect">
-            <a:avLst/>
-          </a:prstGeom>
-        </p:spPr>
-        <p:txBody>
-          <a:bodyPr wrap="none">
-            <a:spAutoFit/>
-          </a:bodyPr>
-          <a:lstStyle/>
-          <a:p>
+          <a:p>
+            <a:pPr>
+              <a:spcBef>
+                <a:spcPts val="1200"/>
+              </a:spcBef>
+            </a:pPr>
+            <a:endParaRPr lang="en-US" dirty="0">
+              <a:solidFill>
+                <a:srgbClr val="505050"/>
+              </a:solidFill>
+              <a:latin typeface="Segoe UI" panose="020B0502040204020203" pitchFamily="34" charset="0"/>
+            </a:endParaRPr>
+          </a:p>
+          <a:p>
+            <a:pPr>
+              <a:spcBef>
+                <a:spcPts val="1200"/>
+              </a:spcBef>
+            </a:pPr>
             <a:r>
               <a:rPr lang="en-US" dirty="0">
                 <a:solidFill>
-                  <a:schemeClr val="bg1">
-                    <a:lumMod val="65000"/>
-                  </a:schemeClr>
+                  <a:srgbClr val="505050"/>
                 </a:solidFill>
+                <a:latin typeface="Segoe UI" panose="020B0502040204020203" pitchFamily="34" charset="0"/>
               </a:rPr>
-              <a:t>WhiteSpaceRemoval Project</a:t>
+              <a:t>Note: C# Corner website, azure.Microsoft.com uses this feature.</a:t>
             </a:r>
           </a:p>
         </p:txBody>
@@ -5043,7 +5888,7 @@
                   </a:outerShdw>
                 </a:effectLst>
               </a:rPr>
-              <a:t>Visual Studio Code Analysis</a:t>
+              <a:t>Slug based URL in MVC - for SEO</a:t>
             </a:r>
           </a:p>
         </p:txBody>
@@ -5127,25 +5972,44 @@
                 </a:solidFill>
                 <a:latin typeface="Segoe UI" panose="020B0502040204020203" pitchFamily="34" charset="0"/>
               </a:rPr>
-              <a:t>Need to </a:t>
-            </a:r>
-            <a:r>
-              <a:rPr lang="en-US">
-                <a:solidFill>
-                  <a:srgbClr val="505050"/>
-                </a:solidFill>
-                <a:latin typeface="Segoe UI" panose="020B0502040204020203" pitchFamily="34" charset="0"/>
-              </a:rPr>
-              <a:t>write this </a:t>
+              <a:t>Need to write this </a:t>
             </a:r>
             <a:endParaRPr lang="en-US" dirty="0"/>
+          </a:p>
+        </p:txBody>
+      </p:sp>
+      <p:sp>
+        <p:nvSpPr>
+          <p:cNvPr id="2" name="Rectangle 1"/>
+          <p:cNvSpPr/>
+          <p:nvPr/>
+        </p:nvSpPr>
+        <p:spPr>
+          <a:xfrm>
+            <a:off x="832104" y="2656090"/>
+            <a:ext cx="4841454" cy="369332"/>
+          </a:xfrm>
+          <a:prstGeom prst="rect">
+            <a:avLst/>
+          </a:prstGeom>
+        </p:spPr>
+        <p:txBody>
+          <a:bodyPr wrap="none">
+            <a:spAutoFit/>
+          </a:bodyPr>
+          <a:lstStyle/>
+          <a:p>
+            <a:r>
+              <a:rPr lang="en-US" dirty="0"/>
+              <a:t>https://github.com/itorian/SlugInMVCApplication</a:t>
+            </a:r>
           </a:p>
         </p:txBody>
       </p:sp>
     </p:spTree>
     <p:extLst>
       <p:ext uri="{BB962C8B-B14F-4D97-AF65-F5344CB8AC3E}">
-        <p14:creationId xmlns:p14="http://schemas.microsoft.com/office/powerpoint/2010/main" val="1112162478"/>
+        <p14:creationId xmlns:p14="http://schemas.microsoft.com/office/powerpoint/2010/main" val="3705442125"/>
       </p:ext>
     </p:extLst>
   </p:cSld>
@@ -5448,4 +6312,299 @@
     </a:ext>
   </a:extLst>
 </a:theme>
+</file>
+
+<file path=ppt/theme/theme2.xml><?xml version="1.0" encoding="utf-8"?>
+<a:theme xmlns:a="http://schemas.openxmlformats.org/drawingml/2006/main" name="Office Theme">
+  <a:themeElements>
+    <a:clrScheme name="Office">
+      <a:dk1>
+        <a:sysClr val="windowText" lastClr="000000"/>
+      </a:dk1>
+      <a:lt1>
+        <a:sysClr val="window" lastClr="FFFFFF"/>
+      </a:lt1>
+      <a:dk2>
+        <a:srgbClr val="44546A"/>
+      </a:dk2>
+      <a:lt2>
+        <a:srgbClr val="E7E6E6"/>
+      </a:lt2>
+      <a:accent1>
+        <a:srgbClr val="4472C4"/>
+      </a:accent1>
+      <a:accent2>
+        <a:srgbClr val="ED7D31"/>
+      </a:accent2>
+      <a:accent3>
+        <a:srgbClr val="A5A5A5"/>
+      </a:accent3>
+      <a:accent4>
+        <a:srgbClr val="FFC000"/>
+      </a:accent4>
+      <a:accent5>
+        <a:srgbClr val="5B9BD5"/>
+      </a:accent5>
+      <a:accent6>
+        <a:srgbClr val="70AD47"/>
+      </a:accent6>
+      <a:hlink>
+        <a:srgbClr val="0563C1"/>
+      </a:hlink>
+      <a:folHlink>
+        <a:srgbClr val="954F72"/>
+      </a:folHlink>
+    </a:clrScheme>
+    <a:fontScheme name="Office">
+      <a:majorFont>
+        <a:latin typeface="Calibri Light" panose="020F0302020204030204"/>
+        <a:ea typeface=""/>
+        <a:cs typeface=""/>
+        <a:font script="Jpan" typeface="游ゴシック Light"/>
+        <a:font script="Hang" typeface="맑은 고딕"/>
+        <a:font script="Hans" typeface="等线 Light"/>
+        <a:font script="Hant" typeface="新細明體"/>
+        <a:font script="Arab" typeface="Times New Roman"/>
+        <a:font script="Hebr" typeface="Times New Roman"/>
+        <a:font script="Thai" typeface="Angsana New"/>
+        <a:font script="Ethi" typeface="Nyala"/>
+        <a:font script="Beng" typeface="Vrinda"/>
+        <a:font script="Gujr" typeface="Shruti"/>
+        <a:font script="Khmr" typeface="MoolBoran"/>
+        <a:font script="Knda" typeface="Tunga"/>
+        <a:font script="Guru" typeface="Raavi"/>
+        <a:font script="Cans" typeface="Euphemia"/>
+        <a:font script="Cher" typeface="Plantagenet Cherokee"/>
+        <a:font script="Yiii" typeface="Microsoft Yi Baiti"/>
+        <a:font script="Tibt" typeface="Microsoft Himalaya"/>
+        <a:font script="Thaa" typeface="MV Boli"/>
+        <a:font script="Deva" typeface="Mangal"/>
+        <a:font script="Telu" typeface="Gautami"/>
+        <a:font script="Taml" typeface="Latha"/>
+        <a:font script="Syrc" typeface="Estrangelo Edessa"/>
+        <a:font script="Orya" typeface="Kalinga"/>
+        <a:font script="Mlym" typeface="Kartika"/>
+        <a:font script="Laoo" typeface="DokChampa"/>
+        <a:font script="Sinh" typeface="Iskoola Pota"/>
+        <a:font script="Mong" typeface="Mongolian Baiti"/>
+        <a:font script="Viet" typeface="Times New Roman"/>
+        <a:font script="Uigh" typeface="Microsoft Uighur"/>
+        <a:font script="Geor" typeface="Sylfaen"/>
+        <a:font script="Armn" typeface="Arial"/>
+        <a:font script="Bugi" typeface="Leelawadee UI"/>
+        <a:font script="Bopo" typeface="Microsoft JhengHei"/>
+        <a:font script="Java" typeface="Javanese Text"/>
+        <a:font script="Lisu" typeface="Segoe UI"/>
+        <a:font script="Mymr" typeface="Myanmar Text"/>
+        <a:font script="Nkoo" typeface="Ebrima"/>
+        <a:font script="Olck" typeface="Nirmala UI"/>
+        <a:font script="Osma" typeface="Ebrima"/>
+        <a:font script="Phag" typeface="Phagspa"/>
+        <a:font script="Syrn" typeface="Estrangelo Edessa"/>
+        <a:font script="Syrj" typeface="Estrangelo Edessa"/>
+        <a:font script="Syre" typeface="Estrangelo Edessa"/>
+        <a:font script="Sora" typeface="Nirmala UI"/>
+        <a:font script="Tale" typeface="Microsoft Tai Le"/>
+        <a:font script="Talu" typeface="Microsoft New Tai Lue"/>
+        <a:font script="Tfng" typeface="Ebrima"/>
+      </a:majorFont>
+      <a:minorFont>
+        <a:latin typeface="Calibri" panose="020F0502020204030204"/>
+        <a:ea typeface=""/>
+        <a:cs typeface=""/>
+        <a:font script="Jpan" typeface="游ゴシック"/>
+        <a:font script="Hang" typeface="맑은 고딕"/>
+        <a:font script="Hans" typeface="等线"/>
+        <a:font script="Hant" typeface="新細明體"/>
+        <a:font script="Arab" typeface="Arial"/>
+        <a:font script="Hebr" typeface="Arial"/>
+        <a:font script="Thai" typeface="Cordia New"/>
+        <a:font script="Ethi" typeface="Nyala"/>
+        <a:font script="Beng" typeface="Vrinda"/>
+        <a:font script="Gujr" typeface="Shruti"/>
+        <a:font script="Khmr" typeface="DaunPenh"/>
+        <a:font script="Knda" typeface="Tunga"/>
+        <a:font script="Guru" typeface="Raavi"/>
+        <a:font script="Cans" typeface="Euphemia"/>
+        <a:font script="Cher" typeface="Plantagenet Cherokee"/>
+        <a:font script="Yiii" typeface="Microsoft Yi Baiti"/>
+        <a:font script="Tibt" typeface="Microsoft Himalaya"/>
+        <a:font script="Thaa" typeface="MV Boli"/>
+        <a:font script="Deva" typeface="Mangal"/>
+        <a:font script="Telu" typeface="Gautami"/>
+        <a:font script="Taml" typeface="Latha"/>
+        <a:font script="Syrc" typeface="Estrangelo Edessa"/>
+        <a:font script="Orya" typeface="Kalinga"/>
+        <a:font script="Mlym" typeface="Kartika"/>
+        <a:font script="Laoo" typeface="DokChampa"/>
+        <a:font script="Sinh" typeface="Iskoola Pota"/>
+        <a:font script="Mong" typeface="Mongolian Baiti"/>
+        <a:font script="Viet" typeface="Arial"/>
+        <a:font script="Uigh" typeface="Microsoft Uighur"/>
+        <a:font script="Geor" typeface="Sylfaen"/>
+        <a:font script="Armn" typeface="Arial"/>
+        <a:font script="Bugi" typeface="Leelawadee UI"/>
+        <a:font script="Bopo" typeface="Microsoft JhengHei"/>
+        <a:font script="Java" typeface="Javanese Text"/>
+        <a:font script="Lisu" typeface="Segoe UI"/>
+        <a:font script="Mymr" typeface="Myanmar Text"/>
+        <a:font script="Nkoo" typeface="Ebrima"/>
+        <a:font script="Olck" typeface="Nirmala UI"/>
+        <a:font script="Osma" typeface="Ebrima"/>
+        <a:font script="Phag" typeface="Phagspa"/>
+        <a:font script="Syrn" typeface="Estrangelo Edessa"/>
+        <a:font script="Syrj" typeface="Estrangelo Edessa"/>
+        <a:font script="Syre" typeface="Estrangelo Edessa"/>
+        <a:font script="Sora" typeface="Nirmala UI"/>
+        <a:font script="Tale" typeface="Microsoft Tai Le"/>
+        <a:font script="Talu" typeface="Microsoft New Tai Lue"/>
+        <a:font script="Tfng" typeface="Ebrima"/>
+      </a:minorFont>
+    </a:fontScheme>
+    <a:fmtScheme name="Office">
+      <a:fillStyleLst>
+        <a:solidFill>
+          <a:schemeClr val="phClr"/>
+        </a:solidFill>
+        <a:gradFill rotWithShape="1">
+          <a:gsLst>
+            <a:gs pos="0">
+              <a:schemeClr val="phClr">
+                <a:lumMod val="110000"/>
+                <a:satMod val="105000"/>
+                <a:tint val="67000"/>
+              </a:schemeClr>
+            </a:gs>
+            <a:gs pos="50000">
+              <a:schemeClr val="phClr">
+                <a:lumMod val="105000"/>
+                <a:satMod val="103000"/>
+                <a:tint val="73000"/>
+              </a:schemeClr>
+            </a:gs>
+            <a:gs pos="100000">
+              <a:schemeClr val="phClr">
+                <a:lumMod val="105000"/>
+                <a:satMod val="109000"/>
+                <a:tint val="81000"/>
+              </a:schemeClr>
+            </a:gs>
+          </a:gsLst>
+          <a:lin ang="5400000" scaled="0"/>
+        </a:gradFill>
+        <a:gradFill rotWithShape="1">
+          <a:gsLst>
+            <a:gs pos="0">
+              <a:schemeClr val="phClr">
+                <a:satMod val="103000"/>
+                <a:lumMod val="102000"/>
+                <a:tint val="94000"/>
+              </a:schemeClr>
+            </a:gs>
+            <a:gs pos="50000">
+              <a:schemeClr val="phClr">
+                <a:satMod val="110000"/>
+                <a:lumMod val="100000"/>
+                <a:shade val="100000"/>
+              </a:schemeClr>
+            </a:gs>
+            <a:gs pos="100000">
+              <a:schemeClr val="phClr">
+                <a:lumMod val="99000"/>
+                <a:satMod val="120000"/>
+                <a:shade val="78000"/>
+              </a:schemeClr>
+            </a:gs>
+          </a:gsLst>
+          <a:lin ang="5400000" scaled="0"/>
+        </a:gradFill>
+      </a:fillStyleLst>
+      <a:lnStyleLst>
+        <a:ln w="6350" cap="flat" cmpd="sng" algn="ctr">
+          <a:solidFill>
+            <a:schemeClr val="phClr"/>
+          </a:solidFill>
+          <a:prstDash val="solid"/>
+          <a:miter lim="800000"/>
+        </a:ln>
+        <a:ln w="12700" cap="flat" cmpd="sng" algn="ctr">
+          <a:solidFill>
+            <a:schemeClr val="phClr"/>
+          </a:solidFill>
+          <a:prstDash val="solid"/>
+          <a:miter lim="800000"/>
+        </a:ln>
+        <a:ln w="19050" cap="flat" cmpd="sng" algn="ctr">
+          <a:solidFill>
+            <a:schemeClr val="phClr"/>
+          </a:solidFill>
+          <a:prstDash val="solid"/>
+          <a:miter lim="800000"/>
+        </a:ln>
+      </a:lnStyleLst>
+      <a:effectStyleLst>
+        <a:effectStyle>
+          <a:effectLst/>
+        </a:effectStyle>
+        <a:effectStyle>
+          <a:effectLst/>
+        </a:effectStyle>
+        <a:effectStyle>
+          <a:effectLst>
+            <a:outerShdw blurRad="57150" dist="19050" dir="5400000" algn="ctr" rotWithShape="0">
+              <a:srgbClr val="000000">
+                <a:alpha val="63000"/>
+              </a:srgbClr>
+            </a:outerShdw>
+          </a:effectLst>
+        </a:effectStyle>
+      </a:effectStyleLst>
+      <a:bgFillStyleLst>
+        <a:solidFill>
+          <a:schemeClr val="phClr"/>
+        </a:solidFill>
+        <a:solidFill>
+          <a:schemeClr val="phClr">
+            <a:tint val="95000"/>
+            <a:satMod val="170000"/>
+          </a:schemeClr>
+        </a:solidFill>
+        <a:gradFill rotWithShape="1">
+          <a:gsLst>
+            <a:gs pos="0">
+              <a:schemeClr val="phClr">
+                <a:tint val="93000"/>
+                <a:satMod val="150000"/>
+                <a:shade val="98000"/>
+                <a:lumMod val="102000"/>
+              </a:schemeClr>
+            </a:gs>
+            <a:gs pos="50000">
+              <a:schemeClr val="phClr">
+                <a:tint val="98000"/>
+                <a:satMod val="130000"/>
+                <a:shade val="90000"/>
+                <a:lumMod val="103000"/>
+              </a:schemeClr>
+            </a:gs>
+            <a:gs pos="100000">
+              <a:schemeClr val="phClr">
+                <a:shade val="63000"/>
+                <a:satMod val="120000"/>
+              </a:schemeClr>
+            </a:gs>
+          </a:gsLst>
+          <a:lin ang="5400000" scaled="0"/>
+        </a:gradFill>
+      </a:bgFillStyleLst>
+    </a:fmtScheme>
+  </a:themeElements>
+  <a:objectDefaults/>
+  <a:extraClrSchemeLst/>
+  <a:extLst>
+    <a:ext uri="{05A4C25C-085E-4340-85A3-A5531E510DB2}">
+      <thm15:themeFamily xmlns:thm15="http://schemas.microsoft.com/office/thememl/2012/main" name="Office Theme" id="{62F939B6-93AF-4DB8-9C6B-D6C7DFDC589F}" vid="{4A3C46E8-61CC-4603-A589-7422A47A8E4A}"/>
+    </a:ext>
+  </a:extLst>
+</a:theme>
 </file>